--- a/Documentation/project1.pptx
+++ b/Documentation/project1.pptx
@@ -5605,15 +5605,7 @@
           </a:r>
           <a:r>
             <a:rPr lang="en-US" sz="1200" dirty="0"/>
-            <a:t>: I started the development on March 26</a:t>
-          </a:r>
-          <a:r>
-            <a:rPr lang="en-US" sz="1200" baseline="30000" dirty="0"/>
-            <a:t>th</a:t>
-          </a:r>
-          <a:r>
-            <a:rPr lang="en-US" sz="1200" dirty="0"/>
-            <a:t>, It took over 2 weeks, and during the development I had to rewrite components from scratch due to design issues.</a:t>
+            <a:t>: It took me more than expected around two weeks, and during the development I had to rewrite components from scratch due to design issues.</a:t>
           </a:r>
         </a:p>
       </dgm:t>
@@ -5750,13 +5742,13 @@
           </a:r>
           <a:r>
             <a:rPr lang="en-US" sz="1200" dirty="0"/>
-            <a:t>: I have three action plans in my mind  which can take this design to a likely production level.</a:t>
+            <a:t>: I have three action plans in my mind  which can improve the design and reliability.</a:t>
           </a:r>
         </a:p>
         <a:p>
           <a:r>
             <a:rPr lang="en-US" sz="1200" dirty="0"/>
-            <a:t>Handling Interruption from Storage node while uploading/Downloading chunks.</a:t>
+            <a:t>Efficient resource usage which could work concurrently for 100s of users.</a:t>
           </a:r>
         </a:p>
         <a:p>
@@ -5822,7 +5814,7 @@
           </a:r>
           <a:r>
             <a:rPr lang="en-US" sz="1200" dirty="0"/>
-            <a:t>: It took me over 2 weeks to complete the project. I had to keep changing the design because of heavier testcases and my knowledge limitations in </a:t>
+            <a:t>: It took me over 2 weeks to complete the project as I had to keep changing the design because of heavier testcases and my knowledge limitations in </a:t>
           </a:r>
           <a:r>
             <a:rPr lang="en-US" sz="1200" dirty="0" err="1"/>
@@ -9321,15 +9313,7 @@
           </a:r>
           <a:r>
             <a:rPr lang="en-US" sz="1200" kern="1200" dirty="0"/>
-            <a:t>: I started the development on March 26</a:t>
-          </a:r>
-          <a:r>
-            <a:rPr lang="en-US" sz="1200" kern="1200" baseline="30000" dirty="0"/>
-            <a:t>th</a:t>
-          </a:r>
-          <a:r>
-            <a:rPr lang="en-US" sz="1200" kern="1200" dirty="0"/>
-            <a:t>, It took over 2 weeks, and during the development I had to rewrite components from scratch due to design issues.</a:t>
+            <a:t>: It took me more than expected around two weeks, and during the development I had to rewrite components from scratch due to design issues.</a:t>
           </a:r>
         </a:p>
       </dsp:txBody>
@@ -9574,7 +9558,7 @@
           </a:r>
           <a:r>
             <a:rPr lang="en-US" sz="1200" kern="1200" dirty="0"/>
-            <a:t>: I have three action plans in my mind  which can take this design to a likely production level.</a:t>
+            <a:t>: I have three action plans in my mind  which can improve the design and reliability.</a:t>
           </a:r>
         </a:p>
         <a:p>
@@ -9592,7 +9576,7 @@
           </a:pPr>
           <a:r>
             <a:rPr lang="en-US" sz="1200" kern="1200" dirty="0"/>
-            <a:t>Handling Interruption from Storage node while uploading/Downloading chunks.</a:t>
+            <a:t>Efficient resource usage which could work concurrently for 100s of users.</a:t>
           </a:r>
         </a:p>
         <a:p>
@@ -9736,7 +9720,7 @@
           </a:r>
           <a:r>
             <a:rPr lang="en-US" sz="1200" kern="1200" dirty="0"/>
-            <a:t>: It took me over 2 weeks to complete the project. I had to keep changing the design because of heavier testcases and my knowledge limitations in </a:t>
+            <a:t>: It took me over 2 weeks to complete the project as I had to keep changing the design because of heavier testcases and my knowledge limitations in </a:t>
           </a:r>
           <a:r>
             <a:rPr lang="en-US" sz="1200" kern="1200" dirty="0" err="1"/>
@@ -19687,7 +19671,7 @@
           </a:ln>
           <a:extLst>
             <a:ext uri="{C572A759-6A51-4108-AA02-DFA0A04FC94B}">
-              <ma14:wrappingTextBoxFlag xmlns="" xmlns:m="http://schemas.openxmlformats.org/officeDocument/2006/math" xmlns:a14="http://schemas.microsoft.com/office/drawing/2010/main" xmlns:ma14="http://schemas.microsoft.com/office/mac/drawingml/2011/main" val="1"/>
+              <ma14:wrappingTextBoxFlag xmlns:ma14="http://schemas.microsoft.com/office/mac/drawingml/2011/main" xmlns:a14="http://schemas.microsoft.com/office/drawing/2010/main" xmlns:m="http://schemas.openxmlformats.org/officeDocument/2006/math" xmlns="" val="1"/>
             </a:ext>
           </a:extLst>
         </p:spPr>
@@ -19726,7 +19710,7 @@
           </a:ln>
           <a:extLst>
             <a:ext uri="{C572A759-6A51-4108-AA02-DFA0A04FC94B}">
-              <ma14:wrappingTextBoxFlag xmlns="" xmlns:m="http://schemas.openxmlformats.org/officeDocument/2006/math" xmlns:a14="http://schemas.microsoft.com/office/drawing/2010/main" xmlns:ma14="http://schemas.microsoft.com/office/mac/drawingml/2011/main" val="1"/>
+              <ma14:wrappingTextBoxFlag xmlns:ma14="http://schemas.microsoft.com/office/mac/drawingml/2011/main" xmlns:a14="http://schemas.microsoft.com/office/drawing/2010/main" xmlns:m="http://schemas.openxmlformats.org/officeDocument/2006/math" xmlns="" val="1"/>
             </a:ext>
           </a:extLst>
         </p:spPr>
@@ -21452,7 +21436,7 @@
           </a:ln>
           <a:extLst>
             <a:ext uri="{C572A759-6A51-4108-AA02-DFA0A04FC94B}">
-              <ma14:wrappingTextBoxFlag xmlns="" xmlns:m="http://schemas.openxmlformats.org/officeDocument/2006/math" xmlns:a14="http://schemas.microsoft.com/office/drawing/2010/main" xmlns:ma14="http://schemas.microsoft.com/office/mac/drawingml/2011/main" val="1"/>
+              <ma14:wrappingTextBoxFlag xmlns:ma14="http://schemas.microsoft.com/office/mac/drawingml/2011/main" xmlns:a14="http://schemas.microsoft.com/office/drawing/2010/main" xmlns:m="http://schemas.openxmlformats.org/officeDocument/2006/math" xmlns="" val="1"/>
             </a:ext>
           </a:extLst>
         </p:spPr>
@@ -21514,7 +21498,7 @@
           </a:ln>
           <a:extLst>
             <a:ext uri="{C572A759-6A51-4108-AA02-DFA0A04FC94B}">
-              <ma14:wrappingTextBoxFlag xmlns="" xmlns:m="http://schemas.openxmlformats.org/officeDocument/2006/math" xmlns:a14="http://schemas.microsoft.com/office/drawing/2010/main" xmlns:ma14="http://schemas.microsoft.com/office/mac/drawingml/2011/main" val="1"/>
+              <ma14:wrappingTextBoxFlag xmlns:ma14="http://schemas.microsoft.com/office/mac/drawingml/2011/main" xmlns:a14="http://schemas.microsoft.com/office/drawing/2010/main" xmlns:m="http://schemas.openxmlformats.org/officeDocument/2006/math" xmlns="" val="1"/>
             </a:ext>
           </a:extLst>
         </p:spPr>
@@ -21564,7 +21548,7 @@
           </a:ln>
           <a:extLst>
             <a:ext uri="{C572A759-6A51-4108-AA02-DFA0A04FC94B}">
-              <ma14:wrappingTextBoxFlag xmlns="" xmlns:m="http://schemas.openxmlformats.org/officeDocument/2006/math" xmlns:a14="http://schemas.microsoft.com/office/drawing/2010/main" xmlns:ma14="http://schemas.microsoft.com/office/mac/drawingml/2011/main" val="1"/>
+              <ma14:wrappingTextBoxFlag xmlns:ma14="http://schemas.microsoft.com/office/mac/drawingml/2011/main" xmlns:a14="http://schemas.microsoft.com/office/drawing/2010/main" xmlns:m="http://schemas.openxmlformats.org/officeDocument/2006/math" xmlns="" val="1"/>
             </a:ext>
           </a:extLst>
         </p:spPr>
@@ -21614,7 +21598,7 @@
           </a:ln>
           <a:extLst>
             <a:ext uri="{C572A759-6A51-4108-AA02-DFA0A04FC94B}">
-              <ma14:wrappingTextBoxFlag xmlns="" xmlns:m="http://schemas.openxmlformats.org/officeDocument/2006/math" xmlns:a14="http://schemas.microsoft.com/office/drawing/2010/main" xmlns:ma14="http://schemas.microsoft.com/office/mac/drawingml/2011/main" val="1"/>
+              <ma14:wrappingTextBoxFlag xmlns:ma14="http://schemas.microsoft.com/office/mac/drawingml/2011/main" xmlns:a14="http://schemas.microsoft.com/office/drawing/2010/main" xmlns:m="http://schemas.openxmlformats.org/officeDocument/2006/math" xmlns="" val="1"/>
             </a:ext>
           </a:extLst>
         </p:spPr>
@@ -21664,7 +21648,7 @@
           </a:ln>
           <a:extLst>
             <a:ext uri="{C572A759-6A51-4108-AA02-DFA0A04FC94B}">
-              <ma14:wrappingTextBoxFlag xmlns="" xmlns:m="http://schemas.openxmlformats.org/officeDocument/2006/math" xmlns:a14="http://schemas.microsoft.com/office/drawing/2010/main" xmlns:ma14="http://schemas.microsoft.com/office/mac/drawingml/2011/main" val="1"/>
+              <ma14:wrappingTextBoxFlag xmlns:ma14="http://schemas.microsoft.com/office/mac/drawingml/2011/main" xmlns:a14="http://schemas.microsoft.com/office/drawing/2010/main" xmlns:m="http://schemas.openxmlformats.org/officeDocument/2006/math" xmlns="" val="1"/>
             </a:ext>
           </a:extLst>
         </p:spPr>
@@ -21714,7 +21698,7 @@
           </a:ln>
           <a:extLst>
             <a:ext uri="{C572A759-6A51-4108-AA02-DFA0A04FC94B}">
-              <ma14:wrappingTextBoxFlag xmlns="" xmlns:m="http://schemas.openxmlformats.org/officeDocument/2006/math" xmlns:a14="http://schemas.microsoft.com/office/drawing/2010/main" xmlns:ma14="http://schemas.microsoft.com/office/mac/drawingml/2011/main" val="1"/>
+              <ma14:wrappingTextBoxFlag xmlns:ma14="http://schemas.microsoft.com/office/mac/drawingml/2011/main" xmlns:a14="http://schemas.microsoft.com/office/drawing/2010/main" xmlns:m="http://schemas.openxmlformats.org/officeDocument/2006/math" xmlns="" val="1"/>
             </a:ext>
           </a:extLst>
         </p:spPr>
@@ -21756,7 +21740,7 @@
         <p:fade/>
       </p:transition>
     </mc:Choice>
-    <mc:Fallback xmlns="" xmlns:m="http://schemas.openxmlformats.org/officeDocument/2006/math" xmlns:a14="http://schemas.microsoft.com/office/drawing/2010/main">
+    <mc:Fallback xmlns:a14="http://schemas.microsoft.com/office/drawing/2010/main" xmlns:m="http://schemas.openxmlformats.org/officeDocument/2006/math" xmlns="">
       <p:transition spd="slow">
         <p:fade/>
       </p:transition>
@@ -21990,7 +21974,7 @@
           </a:ln>
           <a:extLst>
             <a:ext uri="{C572A759-6A51-4108-AA02-DFA0A04FC94B}">
-              <ma14:wrappingTextBoxFlag xmlns="" xmlns:m="http://schemas.openxmlformats.org/officeDocument/2006/math" xmlns:a14="http://schemas.microsoft.com/office/drawing/2010/main" xmlns:ma14="http://schemas.microsoft.com/office/mac/drawingml/2011/main" val="1"/>
+              <ma14:wrappingTextBoxFlag xmlns:ma14="http://schemas.microsoft.com/office/mac/drawingml/2011/main" xmlns:a14="http://schemas.microsoft.com/office/drawing/2010/main" xmlns:m="http://schemas.openxmlformats.org/officeDocument/2006/math" xmlns="" val="1"/>
             </a:ext>
           </a:extLst>
         </p:spPr>
@@ -22025,7 +22009,7 @@
           </a:ln>
           <a:extLst>
             <a:ext uri="{C572A759-6A51-4108-AA02-DFA0A04FC94B}">
-              <ma14:wrappingTextBoxFlag xmlns="" xmlns:m="http://schemas.openxmlformats.org/officeDocument/2006/math" xmlns:a14="http://schemas.microsoft.com/office/drawing/2010/main" xmlns:ma14="http://schemas.microsoft.com/office/mac/drawingml/2011/main" val="1"/>
+              <ma14:wrappingTextBoxFlag xmlns:ma14="http://schemas.microsoft.com/office/mac/drawingml/2011/main" xmlns:a14="http://schemas.microsoft.com/office/drawing/2010/main" xmlns:m="http://schemas.openxmlformats.org/officeDocument/2006/math" xmlns="" val="1"/>
             </a:ext>
           </a:extLst>
         </p:spPr>
@@ -22075,7 +22059,7 @@
           </a:ln>
           <a:extLst>
             <a:ext uri="{C572A759-6A51-4108-AA02-DFA0A04FC94B}">
-              <ma14:wrappingTextBoxFlag xmlns="" xmlns:m="http://schemas.openxmlformats.org/officeDocument/2006/math" xmlns:a14="http://schemas.microsoft.com/office/drawing/2010/main" xmlns:ma14="http://schemas.microsoft.com/office/mac/drawingml/2011/main" val="1"/>
+              <ma14:wrappingTextBoxFlag xmlns:ma14="http://schemas.microsoft.com/office/mac/drawingml/2011/main" xmlns:a14="http://schemas.microsoft.com/office/drawing/2010/main" xmlns:m="http://schemas.openxmlformats.org/officeDocument/2006/math" xmlns="" val="1"/>
             </a:ext>
           </a:extLst>
         </p:spPr>
@@ -22125,7 +22109,7 @@
           </a:ln>
           <a:extLst>
             <a:ext uri="{C572A759-6A51-4108-AA02-DFA0A04FC94B}">
-              <ma14:wrappingTextBoxFlag xmlns="" xmlns:m="http://schemas.openxmlformats.org/officeDocument/2006/math" xmlns:a14="http://schemas.microsoft.com/office/drawing/2010/main" xmlns:ma14="http://schemas.microsoft.com/office/mac/drawingml/2011/main" val="1"/>
+              <ma14:wrappingTextBoxFlag xmlns:ma14="http://schemas.microsoft.com/office/mac/drawingml/2011/main" xmlns:a14="http://schemas.microsoft.com/office/drawing/2010/main" xmlns:m="http://schemas.openxmlformats.org/officeDocument/2006/math" xmlns="" val="1"/>
             </a:ext>
           </a:extLst>
         </p:spPr>
@@ -22175,7 +22159,7 @@
           </a:ln>
           <a:extLst>
             <a:ext uri="{C572A759-6A51-4108-AA02-DFA0A04FC94B}">
-              <ma14:wrappingTextBoxFlag xmlns="" xmlns:m="http://schemas.openxmlformats.org/officeDocument/2006/math" xmlns:a14="http://schemas.microsoft.com/office/drawing/2010/main" xmlns:ma14="http://schemas.microsoft.com/office/mac/drawingml/2011/main" val="1"/>
+              <ma14:wrappingTextBoxFlag xmlns:ma14="http://schemas.microsoft.com/office/mac/drawingml/2011/main" xmlns:a14="http://schemas.microsoft.com/office/drawing/2010/main" xmlns:m="http://schemas.openxmlformats.org/officeDocument/2006/math" xmlns="" val="1"/>
             </a:ext>
           </a:extLst>
         </p:spPr>
@@ -22225,7 +22209,7 @@
           </a:ln>
           <a:extLst>
             <a:ext uri="{C572A759-6A51-4108-AA02-DFA0A04FC94B}">
-              <ma14:wrappingTextBoxFlag xmlns="" xmlns:m="http://schemas.openxmlformats.org/officeDocument/2006/math" xmlns:a14="http://schemas.microsoft.com/office/drawing/2010/main" xmlns:ma14="http://schemas.microsoft.com/office/mac/drawingml/2011/main" val="1"/>
+              <ma14:wrappingTextBoxFlag xmlns:ma14="http://schemas.microsoft.com/office/mac/drawingml/2011/main" xmlns:a14="http://schemas.microsoft.com/office/drawing/2010/main" xmlns:m="http://schemas.openxmlformats.org/officeDocument/2006/math" xmlns="" val="1"/>
             </a:ext>
           </a:extLst>
         </p:spPr>
@@ -22302,7 +22286,7 @@
           </a:ln>
           <a:extLst>
             <a:ext uri="{C572A759-6A51-4108-AA02-DFA0A04FC94B}">
-              <ma14:wrappingTextBoxFlag xmlns="" xmlns:m="http://schemas.openxmlformats.org/officeDocument/2006/math" xmlns:a14="http://schemas.microsoft.com/office/drawing/2010/main" xmlns:ma14="http://schemas.microsoft.com/office/mac/drawingml/2011/main" val="1"/>
+              <ma14:wrappingTextBoxFlag xmlns:ma14="http://schemas.microsoft.com/office/mac/drawingml/2011/main" xmlns:a14="http://schemas.microsoft.com/office/drawing/2010/main" xmlns:m="http://schemas.openxmlformats.org/officeDocument/2006/math" xmlns="" val="1"/>
             </a:ext>
           </a:extLst>
         </p:spPr>
@@ -22333,7 +22317,7 @@
         <p:fade/>
       </p:transition>
     </mc:Choice>
-    <mc:Fallback xmlns="" xmlns:m="http://schemas.openxmlformats.org/officeDocument/2006/math" xmlns:a14="http://schemas.microsoft.com/office/drawing/2010/main">
+    <mc:Fallback xmlns:a14="http://schemas.microsoft.com/office/drawing/2010/main" xmlns:m="http://schemas.openxmlformats.org/officeDocument/2006/math" xmlns="">
       <p:transition spd="slow">
         <p:fade/>
       </p:transition>
@@ -22567,7 +22551,7 @@
           </a:ln>
           <a:extLst>
             <a:ext uri="{C572A759-6A51-4108-AA02-DFA0A04FC94B}">
-              <ma14:wrappingTextBoxFlag xmlns="" xmlns:m="http://schemas.openxmlformats.org/officeDocument/2006/math" xmlns:a14="http://schemas.microsoft.com/office/drawing/2010/main" xmlns:ma14="http://schemas.microsoft.com/office/mac/drawingml/2011/main" val="1"/>
+              <ma14:wrappingTextBoxFlag xmlns:ma14="http://schemas.microsoft.com/office/mac/drawingml/2011/main" xmlns:a14="http://schemas.microsoft.com/office/drawing/2010/main" xmlns:m="http://schemas.openxmlformats.org/officeDocument/2006/math" xmlns="" val="1"/>
             </a:ext>
           </a:extLst>
         </p:spPr>
@@ -22602,7 +22586,7 @@
           </a:ln>
           <a:extLst>
             <a:ext uri="{C572A759-6A51-4108-AA02-DFA0A04FC94B}">
-              <ma14:wrappingTextBoxFlag xmlns="" xmlns:m="http://schemas.openxmlformats.org/officeDocument/2006/math" xmlns:a14="http://schemas.microsoft.com/office/drawing/2010/main" xmlns:ma14="http://schemas.microsoft.com/office/mac/drawingml/2011/main" val="1"/>
+              <ma14:wrappingTextBoxFlag xmlns:ma14="http://schemas.microsoft.com/office/mac/drawingml/2011/main" xmlns:a14="http://schemas.microsoft.com/office/drawing/2010/main" xmlns:m="http://schemas.openxmlformats.org/officeDocument/2006/math" xmlns="" val="1"/>
             </a:ext>
           </a:extLst>
         </p:spPr>
@@ -22652,7 +22636,7 @@
           </a:ln>
           <a:extLst>
             <a:ext uri="{C572A759-6A51-4108-AA02-DFA0A04FC94B}">
-              <ma14:wrappingTextBoxFlag xmlns="" xmlns:m="http://schemas.openxmlformats.org/officeDocument/2006/math" xmlns:a14="http://schemas.microsoft.com/office/drawing/2010/main" xmlns:ma14="http://schemas.microsoft.com/office/mac/drawingml/2011/main" val="1"/>
+              <ma14:wrappingTextBoxFlag xmlns:ma14="http://schemas.microsoft.com/office/mac/drawingml/2011/main" xmlns:a14="http://schemas.microsoft.com/office/drawing/2010/main" xmlns:m="http://schemas.openxmlformats.org/officeDocument/2006/math" xmlns="" val="1"/>
             </a:ext>
           </a:extLst>
         </p:spPr>
@@ -22702,7 +22686,7 @@
           </a:ln>
           <a:extLst>
             <a:ext uri="{C572A759-6A51-4108-AA02-DFA0A04FC94B}">
-              <ma14:wrappingTextBoxFlag xmlns="" xmlns:m="http://schemas.openxmlformats.org/officeDocument/2006/math" xmlns:a14="http://schemas.microsoft.com/office/drawing/2010/main" xmlns:ma14="http://schemas.microsoft.com/office/mac/drawingml/2011/main" val="1"/>
+              <ma14:wrappingTextBoxFlag xmlns:ma14="http://schemas.microsoft.com/office/mac/drawingml/2011/main" xmlns:a14="http://schemas.microsoft.com/office/drawing/2010/main" xmlns:m="http://schemas.openxmlformats.org/officeDocument/2006/math" xmlns="" val="1"/>
             </a:ext>
           </a:extLst>
         </p:spPr>
@@ -22752,7 +22736,7 @@
           </a:ln>
           <a:extLst>
             <a:ext uri="{C572A759-6A51-4108-AA02-DFA0A04FC94B}">
-              <ma14:wrappingTextBoxFlag xmlns="" xmlns:m="http://schemas.openxmlformats.org/officeDocument/2006/math" xmlns:a14="http://schemas.microsoft.com/office/drawing/2010/main" xmlns:ma14="http://schemas.microsoft.com/office/mac/drawingml/2011/main" val="1"/>
+              <ma14:wrappingTextBoxFlag xmlns:ma14="http://schemas.microsoft.com/office/mac/drawingml/2011/main" xmlns:a14="http://schemas.microsoft.com/office/drawing/2010/main" xmlns:m="http://schemas.openxmlformats.org/officeDocument/2006/math" xmlns="" val="1"/>
             </a:ext>
           </a:extLst>
         </p:spPr>
@@ -22802,7 +22786,7 @@
           </a:ln>
           <a:extLst>
             <a:ext uri="{C572A759-6A51-4108-AA02-DFA0A04FC94B}">
-              <ma14:wrappingTextBoxFlag xmlns="" xmlns:m="http://schemas.openxmlformats.org/officeDocument/2006/math" xmlns:a14="http://schemas.microsoft.com/office/drawing/2010/main" xmlns:ma14="http://schemas.microsoft.com/office/mac/drawingml/2011/main" val="1"/>
+              <ma14:wrappingTextBoxFlag xmlns:ma14="http://schemas.microsoft.com/office/mac/drawingml/2011/main" xmlns:a14="http://schemas.microsoft.com/office/drawing/2010/main" xmlns:m="http://schemas.openxmlformats.org/officeDocument/2006/math" xmlns="" val="1"/>
             </a:ext>
           </a:extLst>
         </p:spPr>
@@ -22879,7 +22863,7 @@
           </a:ln>
           <a:extLst>
             <a:ext uri="{C572A759-6A51-4108-AA02-DFA0A04FC94B}">
-              <ma14:wrappingTextBoxFlag xmlns="" xmlns:m="http://schemas.openxmlformats.org/officeDocument/2006/math" xmlns:a14="http://schemas.microsoft.com/office/drawing/2010/main" xmlns:ma14="http://schemas.microsoft.com/office/mac/drawingml/2011/main" val="1"/>
+              <ma14:wrappingTextBoxFlag xmlns:ma14="http://schemas.microsoft.com/office/mac/drawingml/2011/main" xmlns:a14="http://schemas.microsoft.com/office/drawing/2010/main" xmlns:m="http://schemas.openxmlformats.org/officeDocument/2006/math" xmlns="" val="1"/>
             </a:ext>
           </a:extLst>
         </p:spPr>
@@ -22915,7 +22899,7 @@
         <p:fade/>
       </p:transition>
     </mc:Choice>
-    <mc:Fallback xmlns="" xmlns:m="http://schemas.openxmlformats.org/officeDocument/2006/math" xmlns:a14="http://schemas.microsoft.com/office/drawing/2010/main">
+    <mc:Fallback xmlns:a14="http://schemas.microsoft.com/office/drawing/2010/main" xmlns:m="http://schemas.openxmlformats.org/officeDocument/2006/math" xmlns="">
       <p:transition spd="slow">
         <p:fade/>
       </p:transition>
@@ -23149,7 +23133,7 @@
           </a:ln>
           <a:extLst>
             <a:ext uri="{C572A759-6A51-4108-AA02-DFA0A04FC94B}">
-              <ma14:wrappingTextBoxFlag xmlns="" xmlns:m="http://schemas.openxmlformats.org/officeDocument/2006/math" xmlns:a14="http://schemas.microsoft.com/office/drawing/2010/main" xmlns:ma14="http://schemas.microsoft.com/office/mac/drawingml/2011/main" val="1"/>
+              <ma14:wrappingTextBoxFlag xmlns:ma14="http://schemas.microsoft.com/office/mac/drawingml/2011/main" xmlns:a14="http://schemas.microsoft.com/office/drawing/2010/main" xmlns:m="http://schemas.openxmlformats.org/officeDocument/2006/math" xmlns="" val="1"/>
             </a:ext>
           </a:extLst>
         </p:spPr>
@@ -23184,7 +23168,7 @@
           </a:ln>
           <a:extLst>
             <a:ext uri="{C572A759-6A51-4108-AA02-DFA0A04FC94B}">
-              <ma14:wrappingTextBoxFlag xmlns="" xmlns:m="http://schemas.openxmlformats.org/officeDocument/2006/math" xmlns:a14="http://schemas.microsoft.com/office/drawing/2010/main" xmlns:ma14="http://schemas.microsoft.com/office/mac/drawingml/2011/main" val="1"/>
+              <ma14:wrappingTextBoxFlag xmlns:ma14="http://schemas.microsoft.com/office/mac/drawingml/2011/main" xmlns:a14="http://schemas.microsoft.com/office/drawing/2010/main" xmlns:m="http://schemas.openxmlformats.org/officeDocument/2006/math" xmlns="" val="1"/>
             </a:ext>
           </a:extLst>
         </p:spPr>
@@ -23234,7 +23218,7 @@
           </a:ln>
           <a:extLst>
             <a:ext uri="{C572A759-6A51-4108-AA02-DFA0A04FC94B}">
-              <ma14:wrappingTextBoxFlag xmlns="" xmlns:m="http://schemas.openxmlformats.org/officeDocument/2006/math" xmlns:a14="http://schemas.microsoft.com/office/drawing/2010/main" xmlns:ma14="http://schemas.microsoft.com/office/mac/drawingml/2011/main" val="1"/>
+              <ma14:wrappingTextBoxFlag xmlns:ma14="http://schemas.microsoft.com/office/mac/drawingml/2011/main" xmlns:a14="http://schemas.microsoft.com/office/drawing/2010/main" xmlns:m="http://schemas.openxmlformats.org/officeDocument/2006/math" xmlns="" val="1"/>
             </a:ext>
           </a:extLst>
         </p:spPr>
@@ -23284,7 +23268,7 @@
           </a:ln>
           <a:extLst>
             <a:ext uri="{C572A759-6A51-4108-AA02-DFA0A04FC94B}">
-              <ma14:wrappingTextBoxFlag xmlns="" xmlns:m="http://schemas.openxmlformats.org/officeDocument/2006/math" xmlns:a14="http://schemas.microsoft.com/office/drawing/2010/main" xmlns:ma14="http://schemas.microsoft.com/office/mac/drawingml/2011/main" val="1"/>
+              <ma14:wrappingTextBoxFlag xmlns:ma14="http://schemas.microsoft.com/office/mac/drawingml/2011/main" xmlns:a14="http://schemas.microsoft.com/office/drawing/2010/main" xmlns:m="http://schemas.openxmlformats.org/officeDocument/2006/math" xmlns="" val="1"/>
             </a:ext>
           </a:extLst>
         </p:spPr>
@@ -23334,7 +23318,7 @@
           </a:ln>
           <a:extLst>
             <a:ext uri="{C572A759-6A51-4108-AA02-DFA0A04FC94B}">
-              <ma14:wrappingTextBoxFlag xmlns="" xmlns:m="http://schemas.openxmlformats.org/officeDocument/2006/math" xmlns:a14="http://schemas.microsoft.com/office/drawing/2010/main" xmlns:ma14="http://schemas.microsoft.com/office/mac/drawingml/2011/main" val="1"/>
+              <ma14:wrappingTextBoxFlag xmlns:ma14="http://schemas.microsoft.com/office/mac/drawingml/2011/main" xmlns:a14="http://schemas.microsoft.com/office/drawing/2010/main" xmlns:m="http://schemas.openxmlformats.org/officeDocument/2006/math" xmlns="" val="1"/>
             </a:ext>
           </a:extLst>
         </p:spPr>
@@ -23384,7 +23368,7 @@
           </a:ln>
           <a:extLst>
             <a:ext uri="{C572A759-6A51-4108-AA02-DFA0A04FC94B}">
-              <ma14:wrappingTextBoxFlag xmlns="" xmlns:m="http://schemas.openxmlformats.org/officeDocument/2006/math" xmlns:a14="http://schemas.microsoft.com/office/drawing/2010/main" xmlns:ma14="http://schemas.microsoft.com/office/mac/drawingml/2011/main" val="1"/>
+              <ma14:wrappingTextBoxFlag xmlns:ma14="http://schemas.microsoft.com/office/mac/drawingml/2011/main" xmlns:a14="http://schemas.microsoft.com/office/drawing/2010/main" xmlns:m="http://schemas.openxmlformats.org/officeDocument/2006/math" xmlns="" val="1"/>
             </a:ext>
           </a:extLst>
         </p:spPr>
@@ -23480,7 +23464,7 @@
         <p:fade/>
       </p:transition>
     </mc:Choice>
-    <mc:Fallback xmlns="" xmlns:m="http://schemas.openxmlformats.org/officeDocument/2006/math" xmlns:a14="http://schemas.microsoft.com/office/drawing/2010/main">
+    <mc:Fallback xmlns:a14="http://schemas.microsoft.com/office/drawing/2010/main" xmlns:m="http://schemas.openxmlformats.org/officeDocument/2006/math" xmlns="">
       <p:transition spd="slow">
         <p:fade/>
       </p:transition>
@@ -23714,7 +23698,7 @@
           </a:ln>
           <a:extLst>
             <a:ext uri="{C572A759-6A51-4108-AA02-DFA0A04FC94B}">
-              <ma14:wrappingTextBoxFlag xmlns="" xmlns:m="http://schemas.openxmlformats.org/officeDocument/2006/math" xmlns:a14="http://schemas.microsoft.com/office/drawing/2010/main" xmlns:ma14="http://schemas.microsoft.com/office/mac/drawingml/2011/main" val="1"/>
+              <ma14:wrappingTextBoxFlag xmlns:ma14="http://schemas.microsoft.com/office/mac/drawingml/2011/main" xmlns:a14="http://schemas.microsoft.com/office/drawing/2010/main" xmlns:m="http://schemas.openxmlformats.org/officeDocument/2006/math" xmlns="" val="1"/>
             </a:ext>
           </a:extLst>
         </p:spPr>
@@ -23776,7 +23760,7 @@
           </a:ln>
           <a:extLst>
             <a:ext uri="{C572A759-6A51-4108-AA02-DFA0A04FC94B}">
-              <ma14:wrappingTextBoxFlag xmlns="" xmlns:m="http://schemas.openxmlformats.org/officeDocument/2006/math" xmlns:a14="http://schemas.microsoft.com/office/drawing/2010/main" xmlns:ma14="http://schemas.microsoft.com/office/mac/drawingml/2011/main" val="1"/>
+              <ma14:wrappingTextBoxFlag xmlns:ma14="http://schemas.microsoft.com/office/mac/drawingml/2011/main" xmlns:a14="http://schemas.microsoft.com/office/drawing/2010/main" xmlns:m="http://schemas.openxmlformats.org/officeDocument/2006/math" xmlns="" val="1"/>
             </a:ext>
           </a:extLst>
         </p:spPr>
@@ -23950,7 +23934,7 @@
           </a:ln>
           <a:extLst>
             <a:ext uri="{C572A759-6A51-4108-AA02-DFA0A04FC94B}">
-              <ma14:wrappingTextBoxFlag xmlns="" xmlns:m="http://schemas.openxmlformats.org/officeDocument/2006/math" xmlns:a14="http://schemas.microsoft.com/office/drawing/2010/main" xmlns:ma14="http://schemas.microsoft.com/office/mac/drawingml/2011/main" val="1"/>
+              <ma14:wrappingTextBoxFlag xmlns:ma14="http://schemas.microsoft.com/office/mac/drawingml/2011/main" xmlns:a14="http://schemas.microsoft.com/office/drawing/2010/main" xmlns:m="http://schemas.openxmlformats.org/officeDocument/2006/math" xmlns="" val="1"/>
             </a:ext>
           </a:extLst>
         </p:spPr>
@@ -24000,7 +23984,7 @@
           </a:ln>
           <a:extLst>
             <a:ext uri="{C572A759-6A51-4108-AA02-DFA0A04FC94B}">
-              <ma14:wrappingTextBoxFlag xmlns="" xmlns:m="http://schemas.openxmlformats.org/officeDocument/2006/math" xmlns:a14="http://schemas.microsoft.com/office/drawing/2010/main" xmlns:ma14="http://schemas.microsoft.com/office/mac/drawingml/2011/main" val="1"/>
+              <ma14:wrappingTextBoxFlag xmlns:ma14="http://schemas.microsoft.com/office/mac/drawingml/2011/main" xmlns:a14="http://schemas.microsoft.com/office/drawing/2010/main" xmlns:m="http://schemas.openxmlformats.org/officeDocument/2006/math" xmlns="" val="1"/>
             </a:ext>
           </a:extLst>
         </p:spPr>
@@ -24050,7 +24034,7 @@
           </a:ln>
           <a:extLst>
             <a:ext uri="{C572A759-6A51-4108-AA02-DFA0A04FC94B}">
-              <ma14:wrappingTextBoxFlag xmlns="" xmlns:m="http://schemas.openxmlformats.org/officeDocument/2006/math" xmlns:a14="http://schemas.microsoft.com/office/drawing/2010/main" xmlns:ma14="http://schemas.microsoft.com/office/mac/drawingml/2011/main" val="1"/>
+              <ma14:wrappingTextBoxFlag xmlns:ma14="http://schemas.microsoft.com/office/mac/drawingml/2011/main" xmlns:a14="http://schemas.microsoft.com/office/drawing/2010/main" xmlns:m="http://schemas.openxmlformats.org/officeDocument/2006/math" xmlns="" val="1"/>
             </a:ext>
           </a:extLst>
         </p:spPr>
@@ -24100,7 +24084,7 @@
           </a:ln>
           <a:extLst>
             <a:ext uri="{C572A759-6A51-4108-AA02-DFA0A04FC94B}">
-              <ma14:wrappingTextBoxFlag xmlns="" xmlns:m="http://schemas.openxmlformats.org/officeDocument/2006/math" xmlns:a14="http://schemas.microsoft.com/office/drawing/2010/main" xmlns:ma14="http://schemas.microsoft.com/office/mac/drawingml/2011/main" val="1"/>
+              <ma14:wrappingTextBoxFlag xmlns:ma14="http://schemas.microsoft.com/office/mac/drawingml/2011/main" xmlns:a14="http://schemas.microsoft.com/office/drawing/2010/main" xmlns:m="http://schemas.openxmlformats.org/officeDocument/2006/math" xmlns="" val="1"/>
             </a:ext>
           </a:extLst>
         </p:spPr>
@@ -24150,7 +24134,7 @@
           </a:ln>
           <a:extLst>
             <a:ext uri="{C572A759-6A51-4108-AA02-DFA0A04FC94B}">
-              <ma14:wrappingTextBoxFlag xmlns="" xmlns:m="http://schemas.openxmlformats.org/officeDocument/2006/math" xmlns:a14="http://schemas.microsoft.com/office/drawing/2010/main" xmlns:ma14="http://schemas.microsoft.com/office/mac/drawingml/2011/main" val="1"/>
+              <ma14:wrappingTextBoxFlag xmlns:ma14="http://schemas.microsoft.com/office/mac/drawingml/2011/main" xmlns:a14="http://schemas.microsoft.com/office/drawing/2010/main" xmlns:m="http://schemas.openxmlformats.org/officeDocument/2006/math" xmlns="" val="1"/>
             </a:ext>
           </a:extLst>
         </p:spPr>
@@ -24192,7 +24176,7 @@
         <p:fade/>
       </p:transition>
     </mc:Choice>
-    <mc:Fallback xmlns="" xmlns:m="http://schemas.openxmlformats.org/officeDocument/2006/math" xmlns:a14="http://schemas.microsoft.com/office/drawing/2010/main">
+    <mc:Fallback xmlns:a14="http://schemas.microsoft.com/office/drawing/2010/main" xmlns:m="http://schemas.openxmlformats.org/officeDocument/2006/math" xmlns="">
       <p:transition spd="slow">
         <p:fade/>
       </p:transition>
@@ -24426,7 +24410,7 @@
           </a:ln>
           <a:extLst>
             <a:ext uri="{C572A759-6A51-4108-AA02-DFA0A04FC94B}">
-              <ma14:wrappingTextBoxFlag xmlns="" xmlns:m="http://schemas.openxmlformats.org/officeDocument/2006/math" xmlns:a14="http://schemas.microsoft.com/office/drawing/2010/main" xmlns:ma14="http://schemas.microsoft.com/office/mac/drawingml/2011/main" val="1"/>
+              <ma14:wrappingTextBoxFlag xmlns:ma14="http://schemas.microsoft.com/office/mac/drawingml/2011/main" xmlns:a14="http://schemas.microsoft.com/office/drawing/2010/main" xmlns:m="http://schemas.openxmlformats.org/officeDocument/2006/math" xmlns="" val="1"/>
             </a:ext>
           </a:extLst>
         </p:spPr>
@@ -24488,7 +24472,7 @@
           </a:ln>
           <a:extLst>
             <a:ext uri="{C572A759-6A51-4108-AA02-DFA0A04FC94B}">
-              <ma14:wrappingTextBoxFlag xmlns="" xmlns:m="http://schemas.openxmlformats.org/officeDocument/2006/math" xmlns:a14="http://schemas.microsoft.com/office/drawing/2010/main" xmlns:ma14="http://schemas.microsoft.com/office/mac/drawingml/2011/main" val="1"/>
+              <ma14:wrappingTextBoxFlag xmlns:ma14="http://schemas.microsoft.com/office/mac/drawingml/2011/main" xmlns:a14="http://schemas.microsoft.com/office/drawing/2010/main" xmlns:m="http://schemas.openxmlformats.org/officeDocument/2006/math" xmlns="" val="1"/>
             </a:ext>
           </a:extLst>
         </p:spPr>
@@ -24662,7 +24646,7 @@
           </a:ln>
           <a:extLst>
             <a:ext uri="{C572A759-6A51-4108-AA02-DFA0A04FC94B}">
-              <ma14:wrappingTextBoxFlag xmlns="" xmlns:m="http://schemas.openxmlformats.org/officeDocument/2006/math" xmlns:a14="http://schemas.microsoft.com/office/drawing/2010/main" xmlns:ma14="http://schemas.microsoft.com/office/mac/drawingml/2011/main" val="1"/>
+              <ma14:wrappingTextBoxFlag xmlns:ma14="http://schemas.microsoft.com/office/mac/drawingml/2011/main" xmlns:a14="http://schemas.microsoft.com/office/drawing/2010/main" xmlns:m="http://schemas.openxmlformats.org/officeDocument/2006/math" xmlns="" val="1"/>
             </a:ext>
           </a:extLst>
         </p:spPr>
@@ -24712,7 +24696,7 @@
           </a:ln>
           <a:extLst>
             <a:ext uri="{C572A759-6A51-4108-AA02-DFA0A04FC94B}">
-              <ma14:wrappingTextBoxFlag xmlns="" xmlns:m="http://schemas.openxmlformats.org/officeDocument/2006/math" xmlns:a14="http://schemas.microsoft.com/office/drawing/2010/main" xmlns:ma14="http://schemas.microsoft.com/office/mac/drawingml/2011/main" val="1"/>
+              <ma14:wrappingTextBoxFlag xmlns:ma14="http://schemas.microsoft.com/office/mac/drawingml/2011/main" xmlns:a14="http://schemas.microsoft.com/office/drawing/2010/main" xmlns:m="http://schemas.openxmlformats.org/officeDocument/2006/math" xmlns="" val="1"/>
             </a:ext>
           </a:extLst>
         </p:spPr>
@@ -24762,7 +24746,7 @@
           </a:ln>
           <a:extLst>
             <a:ext uri="{C572A759-6A51-4108-AA02-DFA0A04FC94B}">
-              <ma14:wrappingTextBoxFlag xmlns="" xmlns:m="http://schemas.openxmlformats.org/officeDocument/2006/math" xmlns:a14="http://schemas.microsoft.com/office/drawing/2010/main" xmlns:ma14="http://schemas.microsoft.com/office/mac/drawingml/2011/main" val="1"/>
+              <ma14:wrappingTextBoxFlag xmlns:ma14="http://schemas.microsoft.com/office/mac/drawingml/2011/main" xmlns:a14="http://schemas.microsoft.com/office/drawing/2010/main" xmlns:m="http://schemas.openxmlformats.org/officeDocument/2006/math" xmlns="" val="1"/>
             </a:ext>
           </a:extLst>
         </p:spPr>
@@ -24812,7 +24796,7 @@
           </a:ln>
           <a:extLst>
             <a:ext uri="{C572A759-6A51-4108-AA02-DFA0A04FC94B}">
-              <ma14:wrappingTextBoxFlag xmlns="" xmlns:m="http://schemas.openxmlformats.org/officeDocument/2006/math" xmlns:a14="http://schemas.microsoft.com/office/drawing/2010/main" xmlns:ma14="http://schemas.microsoft.com/office/mac/drawingml/2011/main" val="1"/>
+              <ma14:wrappingTextBoxFlag xmlns:ma14="http://schemas.microsoft.com/office/mac/drawingml/2011/main" xmlns:a14="http://schemas.microsoft.com/office/drawing/2010/main" xmlns:m="http://schemas.openxmlformats.org/officeDocument/2006/math" xmlns="" val="1"/>
             </a:ext>
           </a:extLst>
         </p:spPr>
@@ -24862,7 +24846,7 @@
           </a:ln>
           <a:extLst>
             <a:ext uri="{C572A759-6A51-4108-AA02-DFA0A04FC94B}">
-              <ma14:wrappingTextBoxFlag xmlns="" xmlns:m="http://schemas.openxmlformats.org/officeDocument/2006/math" xmlns:a14="http://schemas.microsoft.com/office/drawing/2010/main" xmlns:ma14="http://schemas.microsoft.com/office/mac/drawingml/2011/main" val="1"/>
+              <ma14:wrappingTextBoxFlag xmlns:ma14="http://schemas.microsoft.com/office/mac/drawingml/2011/main" xmlns:a14="http://schemas.microsoft.com/office/drawing/2010/main" xmlns:m="http://schemas.openxmlformats.org/officeDocument/2006/math" xmlns="" val="1"/>
             </a:ext>
           </a:extLst>
         </p:spPr>
@@ -24904,7 +24888,7 @@
         <p:fade/>
       </p:transition>
     </mc:Choice>
-    <mc:Fallback xmlns="" xmlns:m="http://schemas.openxmlformats.org/officeDocument/2006/math" xmlns:a14="http://schemas.microsoft.com/office/drawing/2010/main">
+    <mc:Fallback xmlns:a14="http://schemas.microsoft.com/office/drawing/2010/main" xmlns:m="http://schemas.openxmlformats.org/officeDocument/2006/math" xmlns="">
       <p:transition spd="slow">
         <p:fade/>
       </p:transition>
@@ -25138,7 +25122,7 @@
           </a:ln>
           <a:extLst>
             <a:ext uri="{C572A759-6A51-4108-AA02-DFA0A04FC94B}">
-              <ma14:wrappingTextBoxFlag xmlns="" xmlns:m="http://schemas.openxmlformats.org/officeDocument/2006/math" xmlns:a14="http://schemas.microsoft.com/office/drawing/2010/main" xmlns:ma14="http://schemas.microsoft.com/office/mac/drawingml/2011/main" val="1"/>
+              <ma14:wrappingTextBoxFlag xmlns:ma14="http://schemas.microsoft.com/office/mac/drawingml/2011/main" xmlns:a14="http://schemas.microsoft.com/office/drawing/2010/main" xmlns:m="http://schemas.openxmlformats.org/officeDocument/2006/math" xmlns="" val="1"/>
             </a:ext>
           </a:extLst>
         </p:spPr>
@@ -25200,7 +25184,7 @@
           </a:ln>
           <a:extLst>
             <a:ext uri="{C572A759-6A51-4108-AA02-DFA0A04FC94B}">
-              <ma14:wrappingTextBoxFlag xmlns="" xmlns:m="http://schemas.openxmlformats.org/officeDocument/2006/math" xmlns:a14="http://schemas.microsoft.com/office/drawing/2010/main" xmlns:ma14="http://schemas.microsoft.com/office/mac/drawingml/2011/main" val="1"/>
+              <ma14:wrappingTextBoxFlag xmlns:ma14="http://schemas.microsoft.com/office/mac/drawingml/2011/main" xmlns:a14="http://schemas.microsoft.com/office/drawing/2010/main" xmlns:m="http://schemas.openxmlformats.org/officeDocument/2006/math" xmlns="" val="1"/>
             </a:ext>
           </a:extLst>
         </p:spPr>
@@ -25250,7 +25234,7 @@
           </a:ln>
           <a:extLst>
             <a:ext uri="{C572A759-6A51-4108-AA02-DFA0A04FC94B}">
-              <ma14:wrappingTextBoxFlag xmlns="" xmlns:m="http://schemas.openxmlformats.org/officeDocument/2006/math" xmlns:a14="http://schemas.microsoft.com/office/drawing/2010/main" xmlns:ma14="http://schemas.microsoft.com/office/mac/drawingml/2011/main" val="1"/>
+              <ma14:wrappingTextBoxFlag xmlns:ma14="http://schemas.microsoft.com/office/mac/drawingml/2011/main" xmlns:a14="http://schemas.microsoft.com/office/drawing/2010/main" xmlns:m="http://schemas.openxmlformats.org/officeDocument/2006/math" xmlns="" val="1"/>
             </a:ext>
           </a:extLst>
         </p:spPr>
@@ -25300,7 +25284,7 @@
           </a:ln>
           <a:extLst>
             <a:ext uri="{C572A759-6A51-4108-AA02-DFA0A04FC94B}">
-              <ma14:wrappingTextBoxFlag xmlns="" xmlns:m="http://schemas.openxmlformats.org/officeDocument/2006/math" xmlns:a14="http://schemas.microsoft.com/office/drawing/2010/main" xmlns:ma14="http://schemas.microsoft.com/office/mac/drawingml/2011/main" val="1"/>
+              <ma14:wrappingTextBoxFlag xmlns:ma14="http://schemas.microsoft.com/office/mac/drawingml/2011/main" xmlns:a14="http://schemas.microsoft.com/office/drawing/2010/main" xmlns:m="http://schemas.openxmlformats.org/officeDocument/2006/math" xmlns="" val="1"/>
             </a:ext>
           </a:extLst>
         </p:spPr>
@@ -25350,7 +25334,7 @@
           </a:ln>
           <a:extLst>
             <a:ext uri="{C572A759-6A51-4108-AA02-DFA0A04FC94B}">
-              <ma14:wrappingTextBoxFlag xmlns="" xmlns:m="http://schemas.openxmlformats.org/officeDocument/2006/math" xmlns:a14="http://schemas.microsoft.com/office/drawing/2010/main" xmlns:ma14="http://schemas.microsoft.com/office/mac/drawingml/2011/main" val="1"/>
+              <ma14:wrappingTextBoxFlag xmlns:ma14="http://schemas.microsoft.com/office/mac/drawingml/2011/main" xmlns:a14="http://schemas.microsoft.com/office/drawing/2010/main" xmlns:m="http://schemas.openxmlformats.org/officeDocument/2006/math" xmlns="" val="1"/>
             </a:ext>
           </a:extLst>
         </p:spPr>
@@ -25400,7 +25384,7 @@
           </a:ln>
           <a:extLst>
             <a:ext uri="{C572A759-6A51-4108-AA02-DFA0A04FC94B}">
-              <ma14:wrappingTextBoxFlag xmlns="" xmlns:m="http://schemas.openxmlformats.org/officeDocument/2006/math" xmlns:a14="http://schemas.microsoft.com/office/drawing/2010/main" xmlns:ma14="http://schemas.microsoft.com/office/mac/drawingml/2011/main" val="1"/>
+              <ma14:wrappingTextBoxFlag xmlns:ma14="http://schemas.microsoft.com/office/mac/drawingml/2011/main" xmlns:a14="http://schemas.microsoft.com/office/drawing/2010/main" xmlns:m="http://schemas.openxmlformats.org/officeDocument/2006/math" xmlns="" val="1"/>
             </a:ext>
           </a:extLst>
         </p:spPr>
@@ -25442,7 +25426,7 @@
         <p:fade/>
       </p:transition>
     </mc:Choice>
-    <mc:Fallback xmlns="" xmlns:m="http://schemas.openxmlformats.org/officeDocument/2006/math" xmlns:a14="http://schemas.microsoft.com/office/drawing/2010/main">
+    <mc:Fallback xmlns:a14="http://schemas.microsoft.com/office/drawing/2010/main" xmlns:m="http://schemas.openxmlformats.org/officeDocument/2006/math" xmlns="">
       <p:transition spd="slow">
         <p:fade/>
       </p:transition>
@@ -25676,7 +25660,7 @@
           </a:ln>
           <a:extLst>
             <a:ext uri="{C572A759-6A51-4108-AA02-DFA0A04FC94B}">
-              <ma14:wrappingTextBoxFlag xmlns="" xmlns:m="http://schemas.openxmlformats.org/officeDocument/2006/math" xmlns:a14="http://schemas.microsoft.com/office/drawing/2010/main" xmlns:ma14="http://schemas.microsoft.com/office/mac/drawingml/2011/main" val="1"/>
+              <ma14:wrappingTextBoxFlag xmlns:ma14="http://schemas.microsoft.com/office/mac/drawingml/2011/main" xmlns:a14="http://schemas.microsoft.com/office/drawing/2010/main" xmlns:m="http://schemas.openxmlformats.org/officeDocument/2006/math" xmlns="" val="1"/>
             </a:ext>
           </a:extLst>
         </p:spPr>
@@ -25738,7 +25722,7 @@
           </a:ln>
           <a:extLst>
             <a:ext uri="{C572A759-6A51-4108-AA02-DFA0A04FC94B}">
-              <ma14:wrappingTextBoxFlag xmlns="" xmlns:m="http://schemas.openxmlformats.org/officeDocument/2006/math" xmlns:a14="http://schemas.microsoft.com/office/drawing/2010/main" xmlns:ma14="http://schemas.microsoft.com/office/mac/drawingml/2011/main" val="1"/>
+              <ma14:wrappingTextBoxFlag xmlns:ma14="http://schemas.microsoft.com/office/mac/drawingml/2011/main" xmlns:a14="http://schemas.microsoft.com/office/drawing/2010/main" xmlns:m="http://schemas.openxmlformats.org/officeDocument/2006/math" xmlns="" val="1"/>
             </a:ext>
           </a:extLst>
         </p:spPr>
@@ -25912,7 +25896,7 @@
           </a:ln>
           <a:extLst>
             <a:ext uri="{C572A759-6A51-4108-AA02-DFA0A04FC94B}">
-              <ma14:wrappingTextBoxFlag xmlns="" xmlns:m="http://schemas.openxmlformats.org/officeDocument/2006/math" xmlns:a14="http://schemas.microsoft.com/office/drawing/2010/main" xmlns:ma14="http://schemas.microsoft.com/office/mac/drawingml/2011/main" val="1"/>
+              <ma14:wrappingTextBoxFlag xmlns:ma14="http://schemas.microsoft.com/office/mac/drawingml/2011/main" xmlns:a14="http://schemas.microsoft.com/office/drawing/2010/main" xmlns:m="http://schemas.openxmlformats.org/officeDocument/2006/math" xmlns="" val="1"/>
             </a:ext>
           </a:extLst>
         </p:spPr>
@@ -25962,7 +25946,7 @@
           </a:ln>
           <a:extLst>
             <a:ext uri="{C572A759-6A51-4108-AA02-DFA0A04FC94B}">
-              <ma14:wrappingTextBoxFlag xmlns="" xmlns:m="http://schemas.openxmlformats.org/officeDocument/2006/math" xmlns:a14="http://schemas.microsoft.com/office/drawing/2010/main" xmlns:ma14="http://schemas.microsoft.com/office/mac/drawingml/2011/main" val="1"/>
+              <ma14:wrappingTextBoxFlag xmlns:ma14="http://schemas.microsoft.com/office/mac/drawingml/2011/main" xmlns:a14="http://schemas.microsoft.com/office/drawing/2010/main" xmlns:m="http://schemas.openxmlformats.org/officeDocument/2006/math" xmlns="" val="1"/>
             </a:ext>
           </a:extLst>
         </p:spPr>
@@ -26012,7 +25996,7 @@
           </a:ln>
           <a:extLst>
             <a:ext uri="{C572A759-6A51-4108-AA02-DFA0A04FC94B}">
-              <ma14:wrappingTextBoxFlag xmlns="" xmlns:m="http://schemas.openxmlformats.org/officeDocument/2006/math" xmlns:a14="http://schemas.microsoft.com/office/drawing/2010/main" xmlns:ma14="http://schemas.microsoft.com/office/mac/drawingml/2011/main" val="1"/>
+              <ma14:wrappingTextBoxFlag xmlns:ma14="http://schemas.microsoft.com/office/mac/drawingml/2011/main" xmlns:a14="http://schemas.microsoft.com/office/drawing/2010/main" xmlns:m="http://schemas.openxmlformats.org/officeDocument/2006/math" xmlns="" val="1"/>
             </a:ext>
           </a:extLst>
         </p:spPr>
@@ -26062,7 +26046,7 @@
           </a:ln>
           <a:extLst>
             <a:ext uri="{C572A759-6A51-4108-AA02-DFA0A04FC94B}">
-              <ma14:wrappingTextBoxFlag xmlns="" xmlns:m="http://schemas.openxmlformats.org/officeDocument/2006/math" xmlns:a14="http://schemas.microsoft.com/office/drawing/2010/main" xmlns:ma14="http://schemas.microsoft.com/office/mac/drawingml/2011/main" val="1"/>
+              <ma14:wrappingTextBoxFlag xmlns:ma14="http://schemas.microsoft.com/office/mac/drawingml/2011/main" xmlns:a14="http://schemas.microsoft.com/office/drawing/2010/main" xmlns:m="http://schemas.openxmlformats.org/officeDocument/2006/math" xmlns="" val="1"/>
             </a:ext>
           </a:extLst>
         </p:spPr>
@@ -26112,7 +26096,7 @@
           </a:ln>
           <a:extLst>
             <a:ext uri="{C572A759-6A51-4108-AA02-DFA0A04FC94B}">
-              <ma14:wrappingTextBoxFlag xmlns="" xmlns:m="http://schemas.openxmlformats.org/officeDocument/2006/math" xmlns:a14="http://schemas.microsoft.com/office/drawing/2010/main" xmlns:ma14="http://schemas.microsoft.com/office/mac/drawingml/2011/main" val="1"/>
+              <ma14:wrappingTextBoxFlag xmlns:ma14="http://schemas.microsoft.com/office/mac/drawingml/2011/main" xmlns:a14="http://schemas.microsoft.com/office/drawing/2010/main" xmlns:m="http://schemas.openxmlformats.org/officeDocument/2006/math" xmlns="" val="1"/>
             </a:ext>
           </a:extLst>
         </p:spPr>
@@ -26154,7 +26138,7 @@
         <p:fade/>
       </p:transition>
     </mc:Choice>
-    <mc:Fallback xmlns="" xmlns:m="http://schemas.openxmlformats.org/officeDocument/2006/math" xmlns:a14="http://schemas.microsoft.com/office/drawing/2010/main">
+    <mc:Fallback xmlns:a14="http://schemas.microsoft.com/office/drawing/2010/main" xmlns:m="http://schemas.openxmlformats.org/officeDocument/2006/math" xmlns="">
       <p:transition spd="slow">
         <p:fade/>
       </p:transition>
@@ -26388,7 +26372,7 @@
           </a:ln>
           <a:extLst>
             <a:ext uri="{C572A759-6A51-4108-AA02-DFA0A04FC94B}">
-              <ma14:wrappingTextBoxFlag xmlns="" xmlns:m="http://schemas.openxmlformats.org/officeDocument/2006/math" xmlns:a14="http://schemas.microsoft.com/office/drawing/2010/main" xmlns:ma14="http://schemas.microsoft.com/office/mac/drawingml/2011/main" val="1"/>
+              <ma14:wrappingTextBoxFlag xmlns:ma14="http://schemas.microsoft.com/office/mac/drawingml/2011/main" xmlns:a14="http://schemas.microsoft.com/office/drawing/2010/main" xmlns:m="http://schemas.openxmlformats.org/officeDocument/2006/math" xmlns="" val="1"/>
             </a:ext>
           </a:extLst>
         </p:spPr>
@@ -26450,7 +26434,7 @@
           </a:ln>
           <a:extLst>
             <a:ext uri="{C572A759-6A51-4108-AA02-DFA0A04FC94B}">
-              <ma14:wrappingTextBoxFlag xmlns="" xmlns:m="http://schemas.openxmlformats.org/officeDocument/2006/math" xmlns:a14="http://schemas.microsoft.com/office/drawing/2010/main" xmlns:ma14="http://schemas.microsoft.com/office/mac/drawingml/2011/main" val="1"/>
+              <ma14:wrappingTextBoxFlag xmlns:ma14="http://schemas.microsoft.com/office/mac/drawingml/2011/main" xmlns:a14="http://schemas.microsoft.com/office/drawing/2010/main" xmlns:m="http://schemas.openxmlformats.org/officeDocument/2006/math" xmlns="" val="1"/>
             </a:ext>
           </a:extLst>
         </p:spPr>
@@ -26624,7 +26608,7 @@
           </a:ln>
           <a:extLst>
             <a:ext uri="{C572A759-6A51-4108-AA02-DFA0A04FC94B}">
-              <ma14:wrappingTextBoxFlag xmlns="" xmlns:m="http://schemas.openxmlformats.org/officeDocument/2006/math" xmlns:a14="http://schemas.microsoft.com/office/drawing/2010/main" xmlns:ma14="http://schemas.microsoft.com/office/mac/drawingml/2011/main" val="1"/>
+              <ma14:wrappingTextBoxFlag xmlns:ma14="http://schemas.microsoft.com/office/mac/drawingml/2011/main" xmlns:a14="http://schemas.microsoft.com/office/drawing/2010/main" xmlns:m="http://schemas.openxmlformats.org/officeDocument/2006/math" xmlns="" val="1"/>
             </a:ext>
           </a:extLst>
         </p:spPr>
@@ -26674,7 +26658,7 @@
           </a:ln>
           <a:extLst>
             <a:ext uri="{C572A759-6A51-4108-AA02-DFA0A04FC94B}">
-              <ma14:wrappingTextBoxFlag xmlns="" xmlns:m="http://schemas.openxmlformats.org/officeDocument/2006/math" xmlns:a14="http://schemas.microsoft.com/office/drawing/2010/main" xmlns:ma14="http://schemas.microsoft.com/office/mac/drawingml/2011/main" val="1"/>
+              <ma14:wrappingTextBoxFlag xmlns:ma14="http://schemas.microsoft.com/office/mac/drawingml/2011/main" xmlns:a14="http://schemas.microsoft.com/office/drawing/2010/main" xmlns:m="http://schemas.openxmlformats.org/officeDocument/2006/math" xmlns="" val="1"/>
             </a:ext>
           </a:extLst>
         </p:spPr>
@@ -26724,7 +26708,7 @@
           </a:ln>
           <a:extLst>
             <a:ext uri="{C572A759-6A51-4108-AA02-DFA0A04FC94B}">
-              <ma14:wrappingTextBoxFlag xmlns="" xmlns:m="http://schemas.openxmlformats.org/officeDocument/2006/math" xmlns:a14="http://schemas.microsoft.com/office/drawing/2010/main" xmlns:ma14="http://schemas.microsoft.com/office/mac/drawingml/2011/main" val="1"/>
+              <ma14:wrappingTextBoxFlag xmlns:ma14="http://schemas.microsoft.com/office/mac/drawingml/2011/main" xmlns:a14="http://schemas.microsoft.com/office/drawing/2010/main" xmlns:m="http://schemas.openxmlformats.org/officeDocument/2006/math" xmlns="" val="1"/>
             </a:ext>
           </a:extLst>
         </p:spPr>
@@ -26774,7 +26758,7 @@
           </a:ln>
           <a:extLst>
             <a:ext uri="{C572A759-6A51-4108-AA02-DFA0A04FC94B}">
-              <ma14:wrappingTextBoxFlag xmlns="" xmlns:m="http://schemas.openxmlformats.org/officeDocument/2006/math" xmlns:a14="http://schemas.microsoft.com/office/drawing/2010/main" xmlns:ma14="http://schemas.microsoft.com/office/mac/drawingml/2011/main" val="1"/>
+              <ma14:wrappingTextBoxFlag xmlns:ma14="http://schemas.microsoft.com/office/mac/drawingml/2011/main" xmlns:a14="http://schemas.microsoft.com/office/drawing/2010/main" xmlns:m="http://schemas.openxmlformats.org/officeDocument/2006/math" xmlns="" val="1"/>
             </a:ext>
           </a:extLst>
         </p:spPr>
@@ -26824,7 +26808,7 @@
           </a:ln>
           <a:extLst>
             <a:ext uri="{C572A759-6A51-4108-AA02-DFA0A04FC94B}">
-              <ma14:wrappingTextBoxFlag xmlns="" xmlns:m="http://schemas.openxmlformats.org/officeDocument/2006/math" xmlns:a14="http://schemas.microsoft.com/office/drawing/2010/main" xmlns:ma14="http://schemas.microsoft.com/office/mac/drawingml/2011/main" val="1"/>
+              <ma14:wrappingTextBoxFlag xmlns:ma14="http://schemas.microsoft.com/office/mac/drawingml/2011/main" xmlns:a14="http://schemas.microsoft.com/office/drawing/2010/main" xmlns:m="http://schemas.openxmlformats.org/officeDocument/2006/math" xmlns="" val="1"/>
             </a:ext>
           </a:extLst>
         </p:spPr>
@@ -26866,7 +26850,7 @@
         <p:fade/>
       </p:transition>
     </mc:Choice>
-    <mc:Fallback xmlns="" xmlns:m="http://schemas.openxmlformats.org/officeDocument/2006/math" xmlns:a14="http://schemas.microsoft.com/office/drawing/2010/main">
+    <mc:Fallback xmlns:a14="http://schemas.microsoft.com/office/drawing/2010/main" xmlns:m="http://schemas.openxmlformats.org/officeDocument/2006/math" xmlns="">
       <p:transition spd="slow">
         <p:fade/>
       </p:transition>
@@ -27241,7 +27225,7 @@
           </a:ln>
           <a:extLst>
             <a:ext uri="{C572A759-6A51-4108-AA02-DFA0A04FC94B}">
-              <ma14:wrappingTextBoxFlag xmlns="" xmlns:m="http://schemas.openxmlformats.org/officeDocument/2006/math" xmlns:a14="http://schemas.microsoft.com/office/drawing/2010/main" xmlns:ma14="http://schemas.microsoft.com/office/mac/drawingml/2011/main" val="1"/>
+              <ma14:wrappingTextBoxFlag xmlns:ma14="http://schemas.microsoft.com/office/mac/drawingml/2011/main" xmlns:a14="http://schemas.microsoft.com/office/drawing/2010/main" xmlns:m="http://schemas.openxmlformats.org/officeDocument/2006/math" xmlns="" val="1"/>
             </a:ext>
           </a:extLst>
         </p:spPr>
@@ -27411,7 +27395,7 @@
           </a:ln>
           <a:extLst>
             <a:ext uri="{C572A759-6A51-4108-AA02-DFA0A04FC94B}">
-              <ma14:wrappingTextBoxFlag xmlns="" xmlns:m="http://schemas.openxmlformats.org/officeDocument/2006/math" xmlns:a14="http://schemas.microsoft.com/office/drawing/2010/main" xmlns:ma14="http://schemas.microsoft.com/office/mac/drawingml/2011/main" val="1"/>
+              <ma14:wrappingTextBoxFlag xmlns:ma14="http://schemas.microsoft.com/office/mac/drawingml/2011/main" xmlns:a14="http://schemas.microsoft.com/office/drawing/2010/main" xmlns:m="http://schemas.openxmlformats.org/officeDocument/2006/math" xmlns="" val="1"/>
             </a:ext>
           </a:extLst>
         </p:spPr>
@@ -27461,7 +27445,7 @@
           </a:ln>
           <a:extLst>
             <a:ext uri="{C572A759-6A51-4108-AA02-DFA0A04FC94B}">
-              <ma14:wrappingTextBoxFlag xmlns="" xmlns:m="http://schemas.openxmlformats.org/officeDocument/2006/math" xmlns:a14="http://schemas.microsoft.com/office/drawing/2010/main" xmlns:ma14="http://schemas.microsoft.com/office/mac/drawingml/2011/main" val="1"/>
+              <ma14:wrappingTextBoxFlag xmlns:ma14="http://schemas.microsoft.com/office/mac/drawingml/2011/main" xmlns:a14="http://schemas.microsoft.com/office/drawing/2010/main" xmlns:m="http://schemas.openxmlformats.org/officeDocument/2006/math" xmlns="" val="1"/>
             </a:ext>
           </a:extLst>
         </p:spPr>
@@ -27511,7 +27495,7 @@
           </a:ln>
           <a:extLst>
             <a:ext uri="{C572A759-6A51-4108-AA02-DFA0A04FC94B}">
-              <ma14:wrappingTextBoxFlag xmlns="" xmlns:m="http://schemas.openxmlformats.org/officeDocument/2006/math" xmlns:a14="http://schemas.microsoft.com/office/drawing/2010/main" xmlns:ma14="http://schemas.microsoft.com/office/mac/drawingml/2011/main" val="1"/>
+              <ma14:wrappingTextBoxFlag xmlns:ma14="http://schemas.microsoft.com/office/mac/drawingml/2011/main" xmlns:a14="http://schemas.microsoft.com/office/drawing/2010/main" xmlns:m="http://schemas.openxmlformats.org/officeDocument/2006/math" xmlns="" val="1"/>
             </a:ext>
           </a:extLst>
         </p:spPr>
@@ -27561,7 +27545,7 @@
           </a:ln>
           <a:extLst>
             <a:ext uri="{C572A759-6A51-4108-AA02-DFA0A04FC94B}">
-              <ma14:wrappingTextBoxFlag xmlns="" xmlns:m="http://schemas.openxmlformats.org/officeDocument/2006/math" xmlns:a14="http://schemas.microsoft.com/office/drawing/2010/main" xmlns:ma14="http://schemas.microsoft.com/office/mac/drawingml/2011/main" val="1"/>
+              <ma14:wrappingTextBoxFlag xmlns:ma14="http://schemas.microsoft.com/office/mac/drawingml/2011/main" xmlns:a14="http://schemas.microsoft.com/office/drawing/2010/main" xmlns:m="http://schemas.openxmlformats.org/officeDocument/2006/math" xmlns="" val="1"/>
             </a:ext>
           </a:extLst>
         </p:spPr>
@@ -27611,7 +27595,7 @@
           </a:ln>
           <a:extLst>
             <a:ext uri="{C572A759-6A51-4108-AA02-DFA0A04FC94B}">
-              <ma14:wrappingTextBoxFlag xmlns="" xmlns:m="http://schemas.openxmlformats.org/officeDocument/2006/math" xmlns:a14="http://schemas.microsoft.com/office/drawing/2010/main" xmlns:ma14="http://schemas.microsoft.com/office/mac/drawingml/2011/main" val="1"/>
+              <ma14:wrappingTextBoxFlag xmlns:ma14="http://schemas.microsoft.com/office/mac/drawingml/2011/main" xmlns:a14="http://schemas.microsoft.com/office/drawing/2010/main" xmlns:m="http://schemas.openxmlformats.org/officeDocument/2006/math" xmlns="" val="1"/>
             </a:ext>
           </a:extLst>
         </p:spPr>
@@ -27661,7 +27645,7 @@
           </a:ln>
           <a:extLst>
             <a:ext uri="{C572A759-6A51-4108-AA02-DFA0A04FC94B}">
-              <ma14:wrappingTextBoxFlag xmlns="" xmlns:m="http://schemas.openxmlformats.org/officeDocument/2006/math" xmlns:a14="http://schemas.microsoft.com/office/drawing/2010/main" xmlns:ma14="http://schemas.microsoft.com/office/mac/drawingml/2011/main" val="1"/>
+              <ma14:wrappingTextBoxFlag xmlns:ma14="http://schemas.microsoft.com/office/mac/drawingml/2011/main" xmlns:a14="http://schemas.microsoft.com/office/drawing/2010/main" xmlns:m="http://schemas.openxmlformats.org/officeDocument/2006/math" xmlns="" val="1"/>
             </a:ext>
           </a:extLst>
         </p:spPr>
@@ -28787,7 +28771,7 @@
           </a:ln>
           <a:extLst>
             <a:ext uri="{C572A759-6A51-4108-AA02-DFA0A04FC94B}">
-              <ma14:wrappingTextBoxFlag xmlns="" xmlns:m="http://schemas.openxmlformats.org/officeDocument/2006/math" xmlns:a14="http://schemas.microsoft.com/office/drawing/2010/main" xmlns:ma14="http://schemas.microsoft.com/office/mac/drawingml/2011/main" val="1"/>
+              <ma14:wrappingTextBoxFlag xmlns:ma14="http://schemas.microsoft.com/office/mac/drawingml/2011/main" xmlns:a14="http://schemas.microsoft.com/office/drawing/2010/main" xmlns:m="http://schemas.openxmlformats.org/officeDocument/2006/math" xmlns="" val="1"/>
             </a:ext>
           </a:extLst>
         </p:spPr>
@@ -28822,7 +28806,7 @@
           </a:ln>
           <a:extLst>
             <a:ext uri="{C572A759-6A51-4108-AA02-DFA0A04FC94B}">
-              <ma14:wrappingTextBoxFlag xmlns="" xmlns:m="http://schemas.openxmlformats.org/officeDocument/2006/math" xmlns:a14="http://schemas.microsoft.com/office/drawing/2010/main" xmlns:ma14="http://schemas.microsoft.com/office/mac/drawingml/2011/main" val="1"/>
+              <ma14:wrappingTextBoxFlag xmlns:ma14="http://schemas.microsoft.com/office/mac/drawingml/2011/main" xmlns:a14="http://schemas.microsoft.com/office/drawing/2010/main" xmlns:m="http://schemas.openxmlformats.org/officeDocument/2006/math" xmlns="" val="1"/>
             </a:ext>
           </a:extLst>
         </p:spPr>
@@ -29211,7 +29195,7 @@
           </a:ln>
           <a:extLst>
             <a:ext uri="{C572A759-6A51-4108-AA02-DFA0A04FC94B}">
-              <ma14:wrappingTextBoxFlag xmlns="" xmlns:m="http://schemas.openxmlformats.org/officeDocument/2006/math" xmlns:a14="http://schemas.microsoft.com/office/drawing/2010/main" xmlns:ma14="http://schemas.microsoft.com/office/mac/drawingml/2011/main" val="1"/>
+              <ma14:wrappingTextBoxFlag xmlns:ma14="http://schemas.microsoft.com/office/mac/drawingml/2011/main" xmlns:a14="http://schemas.microsoft.com/office/drawing/2010/main" xmlns:m="http://schemas.openxmlformats.org/officeDocument/2006/math" xmlns="" val="1"/>
             </a:ext>
           </a:extLst>
         </p:spPr>
@@ -29381,7 +29365,7 @@
           </a:ln>
           <a:extLst>
             <a:ext uri="{C572A759-6A51-4108-AA02-DFA0A04FC94B}">
-              <ma14:wrappingTextBoxFlag xmlns="" xmlns:m="http://schemas.openxmlformats.org/officeDocument/2006/math" xmlns:a14="http://schemas.microsoft.com/office/drawing/2010/main" xmlns:ma14="http://schemas.microsoft.com/office/mac/drawingml/2011/main" val="1"/>
+              <ma14:wrappingTextBoxFlag xmlns:ma14="http://schemas.microsoft.com/office/mac/drawingml/2011/main" xmlns:a14="http://schemas.microsoft.com/office/drawing/2010/main" xmlns:m="http://schemas.openxmlformats.org/officeDocument/2006/math" xmlns="" val="1"/>
             </a:ext>
           </a:extLst>
         </p:spPr>
@@ -29431,7 +29415,7 @@
           </a:ln>
           <a:extLst>
             <a:ext uri="{C572A759-6A51-4108-AA02-DFA0A04FC94B}">
-              <ma14:wrappingTextBoxFlag xmlns="" xmlns:m="http://schemas.openxmlformats.org/officeDocument/2006/math" xmlns:a14="http://schemas.microsoft.com/office/drawing/2010/main" xmlns:ma14="http://schemas.microsoft.com/office/mac/drawingml/2011/main" val="1"/>
+              <ma14:wrappingTextBoxFlag xmlns:ma14="http://schemas.microsoft.com/office/mac/drawingml/2011/main" xmlns:a14="http://schemas.microsoft.com/office/drawing/2010/main" xmlns:m="http://schemas.openxmlformats.org/officeDocument/2006/math" xmlns="" val="1"/>
             </a:ext>
           </a:extLst>
         </p:spPr>
@@ -29481,7 +29465,7 @@
           </a:ln>
           <a:extLst>
             <a:ext uri="{C572A759-6A51-4108-AA02-DFA0A04FC94B}">
-              <ma14:wrappingTextBoxFlag xmlns="" xmlns:m="http://schemas.openxmlformats.org/officeDocument/2006/math" xmlns:a14="http://schemas.microsoft.com/office/drawing/2010/main" xmlns:ma14="http://schemas.microsoft.com/office/mac/drawingml/2011/main" val="1"/>
+              <ma14:wrappingTextBoxFlag xmlns:ma14="http://schemas.microsoft.com/office/mac/drawingml/2011/main" xmlns:a14="http://schemas.microsoft.com/office/drawing/2010/main" xmlns:m="http://schemas.openxmlformats.org/officeDocument/2006/math" xmlns="" val="1"/>
             </a:ext>
           </a:extLst>
         </p:spPr>
@@ -29531,7 +29515,7 @@
           </a:ln>
           <a:extLst>
             <a:ext uri="{C572A759-6A51-4108-AA02-DFA0A04FC94B}">
-              <ma14:wrappingTextBoxFlag xmlns="" xmlns:m="http://schemas.openxmlformats.org/officeDocument/2006/math" xmlns:a14="http://schemas.microsoft.com/office/drawing/2010/main" xmlns:ma14="http://schemas.microsoft.com/office/mac/drawingml/2011/main" val="1"/>
+              <ma14:wrappingTextBoxFlag xmlns:ma14="http://schemas.microsoft.com/office/mac/drawingml/2011/main" xmlns:a14="http://schemas.microsoft.com/office/drawing/2010/main" xmlns:m="http://schemas.openxmlformats.org/officeDocument/2006/math" xmlns="" val="1"/>
             </a:ext>
           </a:extLst>
         </p:spPr>
@@ -29581,7 +29565,7 @@
           </a:ln>
           <a:extLst>
             <a:ext uri="{C572A759-6A51-4108-AA02-DFA0A04FC94B}">
-              <ma14:wrappingTextBoxFlag xmlns="" xmlns:m="http://schemas.openxmlformats.org/officeDocument/2006/math" xmlns:a14="http://schemas.microsoft.com/office/drawing/2010/main" xmlns:ma14="http://schemas.microsoft.com/office/mac/drawingml/2011/main" val="1"/>
+              <ma14:wrappingTextBoxFlag xmlns:ma14="http://schemas.microsoft.com/office/mac/drawingml/2011/main" xmlns:a14="http://schemas.microsoft.com/office/drawing/2010/main" xmlns:m="http://schemas.openxmlformats.org/officeDocument/2006/math" xmlns="" val="1"/>
             </a:ext>
           </a:extLst>
         </p:spPr>
@@ -29631,7 +29615,7 @@
           </a:ln>
           <a:extLst>
             <a:ext uri="{C572A759-6A51-4108-AA02-DFA0A04FC94B}">
-              <ma14:wrappingTextBoxFlag xmlns="" xmlns:m="http://schemas.openxmlformats.org/officeDocument/2006/math" xmlns:a14="http://schemas.microsoft.com/office/drawing/2010/main" xmlns:ma14="http://schemas.microsoft.com/office/mac/drawingml/2011/main" val="1"/>
+              <ma14:wrappingTextBoxFlag xmlns:ma14="http://schemas.microsoft.com/office/mac/drawingml/2011/main" xmlns:a14="http://schemas.microsoft.com/office/drawing/2010/main" xmlns:m="http://schemas.openxmlformats.org/officeDocument/2006/math" xmlns="" val="1"/>
             </a:ext>
           </a:extLst>
         </p:spPr>
@@ -31118,7 +31102,7 @@
           </a:ln>
           <a:extLst>
             <a:ext uri="{C572A759-6A51-4108-AA02-DFA0A04FC94B}">
-              <ma14:wrappingTextBoxFlag xmlns="" xmlns:m="http://schemas.openxmlformats.org/officeDocument/2006/math" xmlns:a14="http://schemas.microsoft.com/office/drawing/2010/main" xmlns:ma14="http://schemas.microsoft.com/office/mac/drawingml/2011/main" val="1"/>
+              <ma14:wrappingTextBoxFlag xmlns:ma14="http://schemas.microsoft.com/office/mac/drawingml/2011/main" xmlns:a14="http://schemas.microsoft.com/office/drawing/2010/main" xmlns:m="http://schemas.openxmlformats.org/officeDocument/2006/math" xmlns="" val="1"/>
             </a:ext>
           </a:extLst>
         </p:spPr>
@@ -31153,7 +31137,7 @@
           </a:ln>
           <a:extLst>
             <a:ext uri="{C572A759-6A51-4108-AA02-DFA0A04FC94B}">
-              <ma14:wrappingTextBoxFlag xmlns="" xmlns:m="http://schemas.openxmlformats.org/officeDocument/2006/math" xmlns:a14="http://schemas.microsoft.com/office/drawing/2010/main" xmlns:ma14="http://schemas.microsoft.com/office/mac/drawingml/2011/main" val="1"/>
+              <ma14:wrappingTextBoxFlag xmlns:ma14="http://schemas.microsoft.com/office/mac/drawingml/2011/main" xmlns:a14="http://schemas.microsoft.com/office/drawing/2010/main" xmlns:m="http://schemas.openxmlformats.org/officeDocument/2006/math" xmlns="" val="1"/>
             </a:ext>
           </a:extLst>
         </p:spPr>
@@ -31403,7 +31387,7 @@
           </a:ln>
           <a:extLst>
             <a:ext uri="{C572A759-6A51-4108-AA02-DFA0A04FC94B}">
-              <ma14:wrappingTextBoxFlag xmlns="" xmlns:m="http://schemas.openxmlformats.org/officeDocument/2006/math" xmlns:a14="http://schemas.microsoft.com/office/drawing/2010/main" xmlns:ma14="http://schemas.microsoft.com/office/mac/drawingml/2011/main" val="1"/>
+              <ma14:wrappingTextBoxFlag xmlns:ma14="http://schemas.microsoft.com/office/mac/drawingml/2011/main" xmlns:a14="http://schemas.microsoft.com/office/drawing/2010/main" xmlns:m="http://schemas.openxmlformats.org/officeDocument/2006/math" xmlns="" val="1"/>
             </a:ext>
           </a:extLst>
         </p:spPr>
@@ -31573,7 +31557,7 @@
           </a:ln>
           <a:extLst>
             <a:ext uri="{C572A759-6A51-4108-AA02-DFA0A04FC94B}">
-              <ma14:wrappingTextBoxFlag xmlns="" xmlns:m="http://schemas.openxmlformats.org/officeDocument/2006/math" xmlns:a14="http://schemas.microsoft.com/office/drawing/2010/main" xmlns:ma14="http://schemas.microsoft.com/office/mac/drawingml/2011/main" val="1"/>
+              <ma14:wrappingTextBoxFlag xmlns:ma14="http://schemas.microsoft.com/office/mac/drawingml/2011/main" xmlns:a14="http://schemas.microsoft.com/office/drawing/2010/main" xmlns:m="http://schemas.openxmlformats.org/officeDocument/2006/math" xmlns="" val="1"/>
             </a:ext>
           </a:extLst>
         </p:spPr>
@@ -31623,7 +31607,7 @@
           </a:ln>
           <a:extLst>
             <a:ext uri="{C572A759-6A51-4108-AA02-DFA0A04FC94B}">
-              <ma14:wrappingTextBoxFlag xmlns="" xmlns:m="http://schemas.openxmlformats.org/officeDocument/2006/math" xmlns:a14="http://schemas.microsoft.com/office/drawing/2010/main" xmlns:ma14="http://schemas.microsoft.com/office/mac/drawingml/2011/main" val="1"/>
+              <ma14:wrappingTextBoxFlag xmlns:ma14="http://schemas.microsoft.com/office/mac/drawingml/2011/main" xmlns:a14="http://schemas.microsoft.com/office/drawing/2010/main" xmlns:m="http://schemas.openxmlformats.org/officeDocument/2006/math" xmlns="" val="1"/>
             </a:ext>
           </a:extLst>
         </p:spPr>
@@ -31673,7 +31657,7 @@
           </a:ln>
           <a:extLst>
             <a:ext uri="{C572A759-6A51-4108-AA02-DFA0A04FC94B}">
-              <ma14:wrappingTextBoxFlag xmlns="" xmlns:m="http://schemas.openxmlformats.org/officeDocument/2006/math" xmlns:a14="http://schemas.microsoft.com/office/drawing/2010/main" xmlns:ma14="http://schemas.microsoft.com/office/mac/drawingml/2011/main" val="1"/>
+              <ma14:wrappingTextBoxFlag xmlns:ma14="http://schemas.microsoft.com/office/mac/drawingml/2011/main" xmlns:a14="http://schemas.microsoft.com/office/drawing/2010/main" xmlns:m="http://schemas.openxmlformats.org/officeDocument/2006/math" xmlns="" val="1"/>
             </a:ext>
           </a:extLst>
         </p:spPr>
@@ -31723,7 +31707,7 @@
           </a:ln>
           <a:extLst>
             <a:ext uri="{C572A759-6A51-4108-AA02-DFA0A04FC94B}">
-              <ma14:wrappingTextBoxFlag xmlns="" xmlns:m="http://schemas.openxmlformats.org/officeDocument/2006/math" xmlns:a14="http://schemas.microsoft.com/office/drawing/2010/main" xmlns:ma14="http://schemas.microsoft.com/office/mac/drawingml/2011/main" val="1"/>
+              <ma14:wrappingTextBoxFlag xmlns:ma14="http://schemas.microsoft.com/office/mac/drawingml/2011/main" xmlns:a14="http://schemas.microsoft.com/office/drawing/2010/main" xmlns:m="http://schemas.openxmlformats.org/officeDocument/2006/math" xmlns="" val="1"/>
             </a:ext>
           </a:extLst>
         </p:spPr>
@@ -31773,7 +31757,7 @@
           </a:ln>
           <a:extLst>
             <a:ext uri="{C572A759-6A51-4108-AA02-DFA0A04FC94B}">
-              <ma14:wrappingTextBoxFlag xmlns="" xmlns:m="http://schemas.openxmlformats.org/officeDocument/2006/math" xmlns:a14="http://schemas.microsoft.com/office/drawing/2010/main" xmlns:ma14="http://schemas.microsoft.com/office/mac/drawingml/2011/main" val="1"/>
+              <ma14:wrappingTextBoxFlag xmlns:ma14="http://schemas.microsoft.com/office/mac/drawingml/2011/main" xmlns:a14="http://schemas.microsoft.com/office/drawing/2010/main" xmlns:m="http://schemas.openxmlformats.org/officeDocument/2006/math" xmlns="" val="1"/>
             </a:ext>
           </a:extLst>
         </p:spPr>
@@ -31823,7 +31807,7 @@
           </a:ln>
           <a:extLst>
             <a:ext uri="{C572A759-6A51-4108-AA02-DFA0A04FC94B}">
-              <ma14:wrappingTextBoxFlag xmlns="" xmlns:m="http://schemas.openxmlformats.org/officeDocument/2006/math" xmlns:a14="http://schemas.microsoft.com/office/drawing/2010/main" xmlns:ma14="http://schemas.microsoft.com/office/mac/drawingml/2011/main" val="1"/>
+              <ma14:wrappingTextBoxFlag xmlns:ma14="http://schemas.microsoft.com/office/mac/drawingml/2011/main" xmlns:a14="http://schemas.microsoft.com/office/drawing/2010/main" xmlns:m="http://schemas.openxmlformats.org/officeDocument/2006/math" xmlns="" val="1"/>
             </a:ext>
           </a:extLst>
         </p:spPr>
@@ -31882,7 +31866,7 @@
           </a:ln>
           <a:extLst>
             <a:ext uri="{C572A759-6A51-4108-AA02-DFA0A04FC94B}">
-              <ma14:wrappingTextBoxFlag xmlns="" xmlns:m="http://schemas.openxmlformats.org/officeDocument/2006/math" xmlns:a14="http://schemas.microsoft.com/office/drawing/2010/main" xmlns:ma14="http://schemas.microsoft.com/office/mac/drawingml/2011/main" val="1"/>
+              <ma14:wrappingTextBoxFlag xmlns:ma14="http://schemas.microsoft.com/office/mac/drawingml/2011/main" xmlns:a14="http://schemas.microsoft.com/office/drawing/2010/main" xmlns:m="http://schemas.openxmlformats.org/officeDocument/2006/math" xmlns="" val="1"/>
             </a:ext>
           </a:extLst>
         </p:spPr>
@@ -32138,7 +32122,7 @@
           </a:ln>
           <a:extLst>
             <a:ext uri="{C572A759-6A51-4108-AA02-DFA0A04FC94B}">
-              <ma14:wrappingTextBoxFlag xmlns="" xmlns:m="http://schemas.openxmlformats.org/officeDocument/2006/math" xmlns:a14="http://schemas.microsoft.com/office/drawing/2010/main" xmlns:ma14="http://schemas.microsoft.com/office/mac/drawingml/2011/main" val="1"/>
+              <ma14:wrappingTextBoxFlag xmlns:ma14="http://schemas.microsoft.com/office/mac/drawingml/2011/main" xmlns:a14="http://schemas.microsoft.com/office/drawing/2010/main" xmlns:m="http://schemas.openxmlformats.org/officeDocument/2006/math" xmlns="" val="1"/>
             </a:ext>
           </a:extLst>
         </p:spPr>
@@ -32308,7 +32292,7 @@
           </a:ln>
           <a:extLst>
             <a:ext uri="{C572A759-6A51-4108-AA02-DFA0A04FC94B}">
-              <ma14:wrappingTextBoxFlag xmlns="" xmlns:m="http://schemas.openxmlformats.org/officeDocument/2006/math" xmlns:a14="http://schemas.microsoft.com/office/drawing/2010/main" xmlns:ma14="http://schemas.microsoft.com/office/mac/drawingml/2011/main" val="1"/>
+              <ma14:wrappingTextBoxFlag xmlns:ma14="http://schemas.microsoft.com/office/mac/drawingml/2011/main" xmlns:a14="http://schemas.microsoft.com/office/drawing/2010/main" xmlns:m="http://schemas.openxmlformats.org/officeDocument/2006/math" xmlns="" val="1"/>
             </a:ext>
           </a:extLst>
         </p:spPr>
@@ -32358,7 +32342,7 @@
           </a:ln>
           <a:extLst>
             <a:ext uri="{C572A759-6A51-4108-AA02-DFA0A04FC94B}">
-              <ma14:wrappingTextBoxFlag xmlns="" xmlns:m="http://schemas.openxmlformats.org/officeDocument/2006/math" xmlns:a14="http://schemas.microsoft.com/office/drawing/2010/main" xmlns:ma14="http://schemas.microsoft.com/office/mac/drawingml/2011/main" val="1"/>
+              <ma14:wrappingTextBoxFlag xmlns:ma14="http://schemas.microsoft.com/office/mac/drawingml/2011/main" xmlns:a14="http://schemas.microsoft.com/office/drawing/2010/main" xmlns:m="http://schemas.openxmlformats.org/officeDocument/2006/math" xmlns="" val="1"/>
             </a:ext>
           </a:extLst>
         </p:spPr>
@@ -32408,7 +32392,7 @@
           </a:ln>
           <a:extLst>
             <a:ext uri="{C572A759-6A51-4108-AA02-DFA0A04FC94B}">
-              <ma14:wrappingTextBoxFlag xmlns="" xmlns:m="http://schemas.openxmlformats.org/officeDocument/2006/math" xmlns:a14="http://schemas.microsoft.com/office/drawing/2010/main" xmlns:ma14="http://schemas.microsoft.com/office/mac/drawingml/2011/main" val="1"/>
+              <ma14:wrappingTextBoxFlag xmlns:ma14="http://schemas.microsoft.com/office/mac/drawingml/2011/main" xmlns:a14="http://schemas.microsoft.com/office/drawing/2010/main" xmlns:m="http://schemas.openxmlformats.org/officeDocument/2006/math" xmlns="" val="1"/>
             </a:ext>
           </a:extLst>
         </p:spPr>
@@ -32458,7 +32442,7 @@
           </a:ln>
           <a:extLst>
             <a:ext uri="{C572A759-6A51-4108-AA02-DFA0A04FC94B}">
-              <ma14:wrappingTextBoxFlag xmlns="" xmlns:m="http://schemas.openxmlformats.org/officeDocument/2006/math" xmlns:a14="http://schemas.microsoft.com/office/drawing/2010/main" xmlns:ma14="http://schemas.microsoft.com/office/mac/drawingml/2011/main" val="1"/>
+              <ma14:wrappingTextBoxFlag xmlns:ma14="http://schemas.microsoft.com/office/mac/drawingml/2011/main" xmlns:a14="http://schemas.microsoft.com/office/drawing/2010/main" xmlns:m="http://schemas.openxmlformats.org/officeDocument/2006/math" xmlns="" val="1"/>
             </a:ext>
           </a:extLst>
         </p:spPr>
@@ -32508,7 +32492,7 @@
           </a:ln>
           <a:extLst>
             <a:ext uri="{C572A759-6A51-4108-AA02-DFA0A04FC94B}">
-              <ma14:wrappingTextBoxFlag xmlns="" xmlns:m="http://schemas.openxmlformats.org/officeDocument/2006/math" xmlns:a14="http://schemas.microsoft.com/office/drawing/2010/main" xmlns:ma14="http://schemas.microsoft.com/office/mac/drawingml/2011/main" val="1"/>
+              <ma14:wrappingTextBoxFlag xmlns:ma14="http://schemas.microsoft.com/office/mac/drawingml/2011/main" xmlns:a14="http://schemas.microsoft.com/office/drawing/2010/main" xmlns:m="http://schemas.openxmlformats.org/officeDocument/2006/math" xmlns="" val="1"/>
             </a:ext>
           </a:extLst>
         </p:spPr>
@@ -32558,7 +32542,7 @@
           </a:ln>
           <a:extLst>
             <a:ext uri="{C572A759-6A51-4108-AA02-DFA0A04FC94B}">
-              <ma14:wrappingTextBoxFlag xmlns="" xmlns:m="http://schemas.openxmlformats.org/officeDocument/2006/math" xmlns:a14="http://schemas.microsoft.com/office/drawing/2010/main" xmlns:ma14="http://schemas.microsoft.com/office/mac/drawingml/2011/main" val="1"/>
+              <ma14:wrappingTextBoxFlag xmlns:ma14="http://schemas.microsoft.com/office/mac/drawingml/2011/main" xmlns:a14="http://schemas.microsoft.com/office/drawing/2010/main" xmlns:m="http://schemas.openxmlformats.org/officeDocument/2006/math" xmlns="" val="1"/>
             </a:ext>
           </a:extLst>
         </p:spPr>
@@ -32783,7 +32767,7 @@
           </a:ln>
           <a:extLst>
             <a:ext uri="{C572A759-6A51-4108-AA02-DFA0A04FC94B}">
-              <ma14:wrappingTextBoxFlag xmlns="" xmlns:m="http://schemas.openxmlformats.org/officeDocument/2006/math" xmlns:a14="http://schemas.microsoft.com/office/drawing/2010/main" xmlns:ma14="http://schemas.microsoft.com/office/mac/drawingml/2011/main" val="1"/>
+              <ma14:wrappingTextBoxFlag xmlns:ma14="http://schemas.microsoft.com/office/mac/drawingml/2011/main" xmlns:a14="http://schemas.microsoft.com/office/drawing/2010/main" xmlns:m="http://schemas.openxmlformats.org/officeDocument/2006/math" xmlns="" val="1"/>
             </a:ext>
           </a:extLst>
         </p:spPr>
@@ -33035,7 +33019,7 @@
           </a:ln>
           <a:extLst>
             <a:ext uri="{C572A759-6A51-4108-AA02-DFA0A04FC94B}">
-              <ma14:wrappingTextBoxFlag xmlns="" xmlns:m="http://schemas.openxmlformats.org/officeDocument/2006/math" xmlns:a14="http://schemas.microsoft.com/office/drawing/2010/main" xmlns:ma14="http://schemas.microsoft.com/office/mac/drawingml/2011/main" val="1"/>
+              <ma14:wrappingTextBoxFlag xmlns:ma14="http://schemas.microsoft.com/office/mac/drawingml/2011/main" xmlns:a14="http://schemas.microsoft.com/office/drawing/2010/main" xmlns:m="http://schemas.openxmlformats.org/officeDocument/2006/math" xmlns="" val="1"/>
             </a:ext>
           </a:extLst>
         </p:spPr>
@@ -33205,7 +33189,7 @@
           </a:ln>
           <a:extLst>
             <a:ext uri="{C572A759-6A51-4108-AA02-DFA0A04FC94B}">
-              <ma14:wrappingTextBoxFlag xmlns="" xmlns:m="http://schemas.openxmlformats.org/officeDocument/2006/math" xmlns:a14="http://schemas.microsoft.com/office/drawing/2010/main" xmlns:ma14="http://schemas.microsoft.com/office/mac/drawingml/2011/main" val="1"/>
+              <ma14:wrappingTextBoxFlag xmlns:ma14="http://schemas.microsoft.com/office/mac/drawingml/2011/main" xmlns:a14="http://schemas.microsoft.com/office/drawing/2010/main" xmlns:m="http://schemas.openxmlformats.org/officeDocument/2006/math" xmlns="" val="1"/>
             </a:ext>
           </a:extLst>
         </p:spPr>
@@ -33255,7 +33239,7 @@
           </a:ln>
           <a:extLst>
             <a:ext uri="{C572A759-6A51-4108-AA02-DFA0A04FC94B}">
-              <ma14:wrappingTextBoxFlag xmlns="" xmlns:m="http://schemas.openxmlformats.org/officeDocument/2006/math" xmlns:a14="http://schemas.microsoft.com/office/drawing/2010/main" xmlns:ma14="http://schemas.microsoft.com/office/mac/drawingml/2011/main" val="1"/>
+              <ma14:wrappingTextBoxFlag xmlns:ma14="http://schemas.microsoft.com/office/mac/drawingml/2011/main" xmlns:a14="http://schemas.microsoft.com/office/drawing/2010/main" xmlns:m="http://schemas.openxmlformats.org/officeDocument/2006/math" xmlns="" val="1"/>
             </a:ext>
           </a:extLst>
         </p:spPr>
@@ -33305,7 +33289,7 @@
           </a:ln>
           <a:extLst>
             <a:ext uri="{C572A759-6A51-4108-AA02-DFA0A04FC94B}">
-              <ma14:wrappingTextBoxFlag xmlns="" xmlns:m="http://schemas.openxmlformats.org/officeDocument/2006/math" xmlns:a14="http://schemas.microsoft.com/office/drawing/2010/main" xmlns:ma14="http://schemas.microsoft.com/office/mac/drawingml/2011/main" val="1"/>
+              <ma14:wrappingTextBoxFlag xmlns:ma14="http://schemas.microsoft.com/office/mac/drawingml/2011/main" xmlns:a14="http://schemas.microsoft.com/office/drawing/2010/main" xmlns:m="http://schemas.openxmlformats.org/officeDocument/2006/math" xmlns="" val="1"/>
             </a:ext>
           </a:extLst>
         </p:spPr>
@@ -33355,7 +33339,7 @@
           </a:ln>
           <a:extLst>
             <a:ext uri="{C572A759-6A51-4108-AA02-DFA0A04FC94B}">
-              <ma14:wrappingTextBoxFlag xmlns="" xmlns:m="http://schemas.openxmlformats.org/officeDocument/2006/math" xmlns:a14="http://schemas.microsoft.com/office/drawing/2010/main" xmlns:ma14="http://schemas.microsoft.com/office/mac/drawingml/2011/main" val="1"/>
+              <ma14:wrappingTextBoxFlag xmlns:ma14="http://schemas.microsoft.com/office/mac/drawingml/2011/main" xmlns:a14="http://schemas.microsoft.com/office/drawing/2010/main" xmlns:m="http://schemas.openxmlformats.org/officeDocument/2006/math" xmlns="" val="1"/>
             </a:ext>
           </a:extLst>
         </p:spPr>
@@ -33405,7 +33389,7 @@
           </a:ln>
           <a:extLst>
             <a:ext uri="{C572A759-6A51-4108-AA02-DFA0A04FC94B}">
-              <ma14:wrappingTextBoxFlag xmlns="" xmlns:m="http://schemas.openxmlformats.org/officeDocument/2006/math" xmlns:a14="http://schemas.microsoft.com/office/drawing/2010/main" xmlns:ma14="http://schemas.microsoft.com/office/mac/drawingml/2011/main" val="1"/>
+              <ma14:wrappingTextBoxFlag xmlns:ma14="http://schemas.microsoft.com/office/mac/drawingml/2011/main" xmlns:a14="http://schemas.microsoft.com/office/drawing/2010/main" xmlns:m="http://schemas.openxmlformats.org/officeDocument/2006/math" xmlns="" val="1"/>
             </a:ext>
           </a:extLst>
         </p:spPr>
@@ -33455,7 +33439,7 @@
           </a:ln>
           <a:extLst>
             <a:ext uri="{C572A759-6A51-4108-AA02-DFA0A04FC94B}">
-              <ma14:wrappingTextBoxFlag xmlns="" xmlns:m="http://schemas.openxmlformats.org/officeDocument/2006/math" xmlns:a14="http://schemas.microsoft.com/office/drawing/2010/main" xmlns:ma14="http://schemas.microsoft.com/office/mac/drawingml/2011/main" val="1"/>
+              <ma14:wrappingTextBoxFlag xmlns:ma14="http://schemas.microsoft.com/office/mac/drawingml/2011/main" xmlns:a14="http://schemas.microsoft.com/office/drawing/2010/main" xmlns:m="http://schemas.openxmlformats.org/officeDocument/2006/math" xmlns="" val="1"/>
             </a:ext>
           </a:extLst>
         </p:spPr>
@@ -33680,7 +33664,7 @@
           </a:ln>
           <a:extLst>
             <a:ext uri="{C572A759-6A51-4108-AA02-DFA0A04FC94B}">
-              <ma14:wrappingTextBoxFlag xmlns="" xmlns:m="http://schemas.openxmlformats.org/officeDocument/2006/math" xmlns:a14="http://schemas.microsoft.com/office/drawing/2010/main" xmlns:ma14="http://schemas.microsoft.com/office/mac/drawingml/2011/main" val="1"/>
+              <ma14:wrappingTextBoxFlag xmlns:ma14="http://schemas.microsoft.com/office/mac/drawingml/2011/main" xmlns:a14="http://schemas.microsoft.com/office/drawing/2010/main" xmlns:m="http://schemas.openxmlformats.org/officeDocument/2006/math" xmlns="" val="1"/>
             </a:ext>
           </a:extLst>
         </p:spPr>
@@ -33947,7 +33931,7 @@
           </a:ln>
           <a:extLst>
             <a:ext uri="{C572A759-6A51-4108-AA02-DFA0A04FC94B}">
-              <ma14:wrappingTextBoxFlag xmlns="" xmlns:m="http://schemas.openxmlformats.org/officeDocument/2006/math" xmlns:a14="http://schemas.microsoft.com/office/drawing/2010/main" xmlns:ma14="http://schemas.microsoft.com/office/mac/drawingml/2011/main" val="1"/>
+              <ma14:wrappingTextBoxFlag xmlns:ma14="http://schemas.microsoft.com/office/mac/drawingml/2011/main" xmlns:a14="http://schemas.microsoft.com/office/drawing/2010/main" xmlns:m="http://schemas.openxmlformats.org/officeDocument/2006/math" xmlns="" val="1"/>
             </a:ext>
           </a:extLst>
         </p:spPr>
@@ -34117,7 +34101,7 @@
           </a:ln>
           <a:extLst>
             <a:ext uri="{C572A759-6A51-4108-AA02-DFA0A04FC94B}">
-              <ma14:wrappingTextBoxFlag xmlns="" xmlns:m="http://schemas.openxmlformats.org/officeDocument/2006/math" xmlns:a14="http://schemas.microsoft.com/office/drawing/2010/main" xmlns:ma14="http://schemas.microsoft.com/office/mac/drawingml/2011/main" val="1"/>
+              <ma14:wrappingTextBoxFlag xmlns:ma14="http://schemas.microsoft.com/office/mac/drawingml/2011/main" xmlns:a14="http://schemas.microsoft.com/office/drawing/2010/main" xmlns:m="http://schemas.openxmlformats.org/officeDocument/2006/math" xmlns="" val="1"/>
             </a:ext>
           </a:extLst>
         </p:spPr>
@@ -34167,7 +34151,7 @@
           </a:ln>
           <a:extLst>
             <a:ext uri="{C572A759-6A51-4108-AA02-DFA0A04FC94B}">
-              <ma14:wrappingTextBoxFlag xmlns="" xmlns:m="http://schemas.openxmlformats.org/officeDocument/2006/math" xmlns:a14="http://schemas.microsoft.com/office/drawing/2010/main" xmlns:ma14="http://schemas.microsoft.com/office/mac/drawingml/2011/main" val="1"/>
+              <ma14:wrappingTextBoxFlag xmlns:ma14="http://schemas.microsoft.com/office/mac/drawingml/2011/main" xmlns:a14="http://schemas.microsoft.com/office/drawing/2010/main" xmlns:m="http://schemas.openxmlformats.org/officeDocument/2006/math" xmlns="" val="1"/>
             </a:ext>
           </a:extLst>
         </p:spPr>
@@ -34217,7 +34201,7 @@
           </a:ln>
           <a:extLst>
             <a:ext uri="{C572A759-6A51-4108-AA02-DFA0A04FC94B}">
-              <ma14:wrappingTextBoxFlag xmlns="" xmlns:m="http://schemas.openxmlformats.org/officeDocument/2006/math" xmlns:a14="http://schemas.microsoft.com/office/drawing/2010/main" xmlns:ma14="http://schemas.microsoft.com/office/mac/drawingml/2011/main" val="1"/>
+              <ma14:wrappingTextBoxFlag xmlns:ma14="http://schemas.microsoft.com/office/mac/drawingml/2011/main" xmlns:a14="http://schemas.microsoft.com/office/drawing/2010/main" xmlns:m="http://schemas.openxmlformats.org/officeDocument/2006/math" xmlns="" val="1"/>
             </a:ext>
           </a:extLst>
         </p:spPr>
@@ -34267,7 +34251,7 @@
           </a:ln>
           <a:extLst>
             <a:ext uri="{C572A759-6A51-4108-AA02-DFA0A04FC94B}">
-              <ma14:wrappingTextBoxFlag xmlns="" xmlns:m="http://schemas.openxmlformats.org/officeDocument/2006/math" xmlns:a14="http://schemas.microsoft.com/office/drawing/2010/main" xmlns:ma14="http://schemas.microsoft.com/office/mac/drawingml/2011/main" val="1"/>
+              <ma14:wrappingTextBoxFlag xmlns:ma14="http://schemas.microsoft.com/office/mac/drawingml/2011/main" xmlns:a14="http://schemas.microsoft.com/office/drawing/2010/main" xmlns:m="http://schemas.openxmlformats.org/officeDocument/2006/math" xmlns="" val="1"/>
             </a:ext>
           </a:extLst>
         </p:spPr>
@@ -34317,7 +34301,7 @@
           </a:ln>
           <a:extLst>
             <a:ext uri="{C572A759-6A51-4108-AA02-DFA0A04FC94B}">
-              <ma14:wrappingTextBoxFlag xmlns="" xmlns:m="http://schemas.openxmlformats.org/officeDocument/2006/math" xmlns:a14="http://schemas.microsoft.com/office/drawing/2010/main" xmlns:ma14="http://schemas.microsoft.com/office/mac/drawingml/2011/main" val="1"/>
+              <ma14:wrappingTextBoxFlag xmlns:ma14="http://schemas.microsoft.com/office/mac/drawingml/2011/main" xmlns:a14="http://schemas.microsoft.com/office/drawing/2010/main" xmlns:m="http://schemas.openxmlformats.org/officeDocument/2006/math" xmlns="" val="1"/>
             </a:ext>
           </a:extLst>
         </p:spPr>
@@ -34367,7 +34351,7 @@
           </a:ln>
           <a:extLst>
             <a:ext uri="{C572A759-6A51-4108-AA02-DFA0A04FC94B}">
-              <ma14:wrappingTextBoxFlag xmlns="" xmlns:m="http://schemas.openxmlformats.org/officeDocument/2006/math" xmlns:a14="http://schemas.microsoft.com/office/drawing/2010/main" xmlns:ma14="http://schemas.microsoft.com/office/mac/drawingml/2011/main" val="1"/>
+              <ma14:wrappingTextBoxFlag xmlns:ma14="http://schemas.microsoft.com/office/mac/drawingml/2011/main" xmlns:a14="http://schemas.microsoft.com/office/drawing/2010/main" xmlns:m="http://schemas.openxmlformats.org/officeDocument/2006/math" xmlns="" val="1"/>
             </a:ext>
           </a:extLst>
         </p:spPr>
@@ -34591,7 +34575,7 @@
           </a:ln>
           <a:extLst>
             <a:ext uri="{C572A759-6A51-4108-AA02-DFA0A04FC94B}">
-              <ma14:wrappingTextBoxFlag xmlns="" xmlns:m="http://schemas.openxmlformats.org/officeDocument/2006/math" xmlns:a14="http://schemas.microsoft.com/office/drawing/2010/main" xmlns:ma14="http://schemas.microsoft.com/office/mac/drawingml/2011/main" val="1"/>
+              <ma14:wrappingTextBoxFlag xmlns:ma14="http://schemas.microsoft.com/office/mac/drawingml/2011/main" xmlns:a14="http://schemas.microsoft.com/office/drawing/2010/main" xmlns:m="http://schemas.openxmlformats.org/officeDocument/2006/math" xmlns="" val="1"/>
             </a:ext>
           </a:extLst>
         </p:spPr>
@@ -34841,7 +34825,7 @@
           </a:ln>
           <a:extLst>
             <a:ext uri="{C572A759-6A51-4108-AA02-DFA0A04FC94B}">
-              <ma14:wrappingTextBoxFlag xmlns="" xmlns:m="http://schemas.openxmlformats.org/officeDocument/2006/math" xmlns:a14="http://schemas.microsoft.com/office/drawing/2010/main" xmlns:ma14="http://schemas.microsoft.com/office/mac/drawingml/2011/main" val="1"/>
+              <ma14:wrappingTextBoxFlag xmlns:ma14="http://schemas.microsoft.com/office/mac/drawingml/2011/main" xmlns:a14="http://schemas.microsoft.com/office/drawing/2010/main" xmlns:m="http://schemas.openxmlformats.org/officeDocument/2006/math" xmlns="" val="1"/>
             </a:ext>
           </a:extLst>
         </p:spPr>
@@ -35011,7 +34995,7 @@
           </a:ln>
           <a:extLst>
             <a:ext uri="{C572A759-6A51-4108-AA02-DFA0A04FC94B}">
-              <ma14:wrappingTextBoxFlag xmlns="" xmlns:m="http://schemas.openxmlformats.org/officeDocument/2006/math" xmlns:a14="http://schemas.microsoft.com/office/drawing/2010/main" xmlns:ma14="http://schemas.microsoft.com/office/mac/drawingml/2011/main" val="1"/>
+              <ma14:wrappingTextBoxFlag xmlns:ma14="http://schemas.microsoft.com/office/mac/drawingml/2011/main" xmlns:a14="http://schemas.microsoft.com/office/drawing/2010/main" xmlns:m="http://schemas.openxmlformats.org/officeDocument/2006/math" xmlns="" val="1"/>
             </a:ext>
           </a:extLst>
         </p:spPr>
@@ -35061,7 +35045,7 @@
           </a:ln>
           <a:extLst>
             <a:ext uri="{C572A759-6A51-4108-AA02-DFA0A04FC94B}">
-              <ma14:wrappingTextBoxFlag xmlns="" xmlns:m="http://schemas.openxmlformats.org/officeDocument/2006/math" xmlns:a14="http://schemas.microsoft.com/office/drawing/2010/main" xmlns:ma14="http://schemas.microsoft.com/office/mac/drawingml/2011/main" val="1"/>
+              <ma14:wrappingTextBoxFlag xmlns:ma14="http://schemas.microsoft.com/office/mac/drawingml/2011/main" xmlns:a14="http://schemas.microsoft.com/office/drawing/2010/main" xmlns:m="http://schemas.openxmlformats.org/officeDocument/2006/math" xmlns="" val="1"/>
             </a:ext>
           </a:extLst>
         </p:spPr>
@@ -35111,7 +35095,7 @@
           </a:ln>
           <a:extLst>
             <a:ext uri="{C572A759-6A51-4108-AA02-DFA0A04FC94B}">
-              <ma14:wrappingTextBoxFlag xmlns="" xmlns:m="http://schemas.openxmlformats.org/officeDocument/2006/math" xmlns:a14="http://schemas.microsoft.com/office/drawing/2010/main" xmlns:ma14="http://schemas.microsoft.com/office/mac/drawingml/2011/main" val="1"/>
+              <ma14:wrappingTextBoxFlag xmlns:ma14="http://schemas.microsoft.com/office/mac/drawingml/2011/main" xmlns:a14="http://schemas.microsoft.com/office/drawing/2010/main" xmlns:m="http://schemas.openxmlformats.org/officeDocument/2006/math" xmlns="" val="1"/>
             </a:ext>
           </a:extLst>
         </p:spPr>
@@ -35161,7 +35145,7 @@
           </a:ln>
           <a:extLst>
             <a:ext uri="{C572A759-6A51-4108-AA02-DFA0A04FC94B}">
-              <ma14:wrappingTextBoxFlag xmlns="" xmlns:m="http://schemas.openxmlformats.org/officeDocument/2006/math" xmlns:a14="http://schemas.microsoft.com/office/drawing/2010/main" xmlns:ma14="http://schemas.microsoft.com/office/mac/drawingml/2011/main" val="1"/>
+              <ma14:wrappingTextBoxFlag xmlns:ma14="http://schemas.microsoft.com/office/mac/drawingml/2011/main" xmlns:a14="http://schemas.microsoft.com/office/drawing/2010/main" xmlns:m="http://schemas.openxmlformats.org/officeDocument/2006/math" xmlns="" val="1"/>
             </a:ext>
           </a:extLst>
         </p:spPr>
@@ -35211,7 +35195,7 @@
           </a:ln>
           <a:extLst>
             <a:ext uri="{C572A759-6A51-4108-AA02-DFA0A04FC94B}">
-              <ma14:wrappingTextBoxFlag xmlns="" xmlns:m="http://schemas.openxmlformats.org/officeDocument/2006/math" xmlns:a14="http://schemas.microsoft.com/office/drawing/2010/main" xmlns:ma14="http://schemas.microsoft.com/office/mac/drawingml/2011/main" val="1"/>
+              <ma14:wrappingTextBoxFlag xmlns:ma14="http://schemas.microsoft.com/office/mac/drawingml/2011/main" xmlns:a14="http://schemas.microsoft.com/office/drawing/2010/main" xmlns:m="http://schemas.openxmlformats.org/officeDocument/2006/math" xmlns="" val="1"/>
             </a:ext>
           </a:extLst>
         </p:spPr>
@@ -35261,7 +35245,7 @@
           </a:ln>
           <a:extLst>
             <a:ext uri="{C572A759-6A51-4108-AA02-DFA0A04FC94B}">
-              <ma14:wrappingTextBoxFlag xmlns="" xmlns:m="http://schemas.openxmlformats.org/officeDocument/2006/math" xmlns:a14="http://schemas.microsoft.com/office/drawing/2010/main" xmlns:ma14="http://schemas.microsoft.com/office/mac/drawingml/2011/main" val="1"/>
+              <ma14:wrappingTextBoxFlag xmlns:ma14="http://schemas.microsoft.com/office/mac/drawingml/2011/main" xmlns:a14="http://schemas.microsoft.com/office/drawing/2010/main" xmlns:m="http://schemas.openxmlformats.org/officeDocument/2006/math" xmlns="" val="1"/>
             </a:ext>
           </a:extLst>
         </p:spPr>
@@ -35680,7 +35664,7 @@
           </a:ln>
           <a:extLst>
             <a:ext uri="{C572A759-6A51-4108-AA02-DFA0A04FC94B}">
-              <ma14:wrappingTextBoxFlag xmlns="" xmlns:m="http://schemas.openxmlformats.org/officeDocument/2006/math" xmlns:a14="http://schemas.microsoft.com/office/drawing/2010/main" xmlns:ma14="http://schemas.microsoft.com/office/mac/drawingml/2011/main" val="1"/>
+              <ma14:wrappingTextBoxFlag xmlns:ma14="http://schemas.microsoft.com/office/mac/drawingml/2011/main" xmlns:a14="http://schemas.microsoft.com/office/drawing/2010/main" xmlns:m="http://schemas.openxmlformats.org/officeDocument/2006/math" xmlns="" val="1"/>
             </a:ext>
           </a:extLst>
         </p:spPr>
@@ -35711,7 +35695,7 @@
           </a:ln>
           <a:extLst>
             <a:ext uri="{C572A759-6A51-4108-AA02-DFA0A04FC94B}">
-              <ma14:wrappingTextBoxFlag xmlns="" xmlns:m="http://schemas.openxmlformats.org/officeDocument/2006/math" xmlns:a14="http://schemas.microsoft.com/office/drawing/2010/main" xmlns:ma14="http://schemas.microsoft.com/office/mac/drawingml/2011/main" val="1"/>
+              <ma14:wrappingTextBoxFlag xmlns:ma14="http://schemas.microsoft.com/office/mac/drawingml/2011/main" xmlns:a14="http://schemas.microsoft.com/office/drawing/2010/main" xmlns:m="http://schemas.openxmlformats.org/officeDocument/2006/math" xmlns="" val="1"/>
             </a:ext>
           </a:extLst>
         </p:spPr>
@@ -36080,7 +36064,7 @@
           </a:ln>
           <a:extLst>
             <a:ext uri="{C572A759-6A51-4108-AA02-DFA0A04FC94B}">
-              <ma14:wrappingTextBoxFlag xmlns="" xmlns:m="http://schemas.openxmlformats.org/officeDocument/2006/math" xmlns:a14="http://schemas.microsoft.com/office/drawing/2010/main" xmlns:ma14="http://schemas.microsoft.com/office/mac/drawingml/2011/main" val="1"/>
+              <ma14:wrappingTextBoxFlag xmlns:ma14="http://schemas.microsoft.com/office/mac/drawingml/2011/main" xmlns:a14="http://schemas.microsoft.com/office/drawing/2010/main" xmlns:m="http://schemas.openxmlformats.org/officeDocument/2006/math" xmlns="" val="1"/>
             </a:ext>
           </a:extLst>
         </p:spPr>
@@ -36250,7 +36234,7 @@
           </a:ln>
           <a:extLst>
             <a:ext uri="{C572A759-6A51-4108-AA02-DFA0A04FC94B}">
-              <ma14:wrappingTextBoxFlag xmlns="" xmlns:m="http://schemas.openxmlformats.org/officeDocument/2006/math" xmlns:a14="http://schemas.microsoft.com/office/drawing/2010/main" xmlns:ma14="http://schemas.microsoft.com/office/mac/drawingml/2011/main" val="1"/>
+              <ma14:wrappingTextBoxFlag xmlns:ma14="http://schemas.microsoft.com/office/mac/drawingml/2011/main" xmlns:a14="http://schemas.microsoft.com/office/drawing/2010/main" xmlns:m="http://schemas.openxmlformats.org/officeDocument/2006/math" xmlns="" val="1"/>
             </a:ext>
           </a:extLst>
         </p:spPr>
@@ -36300,7 +36284,7 @@
           </a:ln>
           <a:extLst>
             <a:ext uri="{C572A759-6A51-4108-AA02-DFA0A04FC94B}">
-              <ma14:wrappingTextBoxFlag xmlns="" xmlns:m="http://schemas.openxmlformats.org/officeDocument/2006/math" xmlns:a14="http://schemas.microsoft.com/office/drawing/2010/main" xmlns:ma14="http://schemas.microsoft.com/office/mac/drawingml/2011/main" val="1"/>
+              <ma14:wrappingTextBoxFlag xmlns:ma14="http://schemas.microsoft.com/office/mac/drawingml/2011/main" xmlns:a14="http://schemas.microsoft.com/office/drawing/2010/main" xmlns:m="http://schemas.openxmlformats.org/officeDocument/2006/math" xmlns="" val="1"/>
             </a:ext>
           </a:extLst>
         </p:spPr>
@@ -36350,7 +36334,7 @@
           </a:ln>
           <a:extLst>
             <a:ext uri="{C572A759-6A51-4108-AA02-DFA0A04FC94B}">
-              <ma14:wrappingTextBoxFlag xmlns="" xmlns:m="http://schemas.openxmlformats.org/officeDocument/2006/math" xmlns:a14="http://schemas.microsoft.com/office/drawing/2010/main" xmlns:ma14="http://schemas.microsoft.com/office/mac/drawingml/2011/main" val="1"/>
+              <ma14:wrappingTextBoxFlag xmlns:ma14="http://schemas.microsoft.com/office/mac/drawingml/2011/main" xmlns:a14="http://schemas.microsoft.com/office/drawing/2010/main" xmlns:m="http://schemas.openxmlformats.org/officeDocument/2006/math" xmlns="" val="1"/>
             </a:ext>
           </a:extLst>
         </p:spPr>
@@ -36400,7 +36384,7 @@
           </a:ln>
           <a:extLst>
             <a:ext uri="{C572A759-6A51-4108-AA02-DFA0A04FC94B}">
-              <ma14:wrappingTextBoxFlag xmlns="" xmlns:m="http://schemas.openxmlformats.org/officeDocument/2006/math" xmlns:a14="http://schemas.microsoft.com/office/drawing/2010/main" xmlns:ma14="http://schemas.microsoft.com/office/mac/drawingml/2011/main" val="1"/>
+              <ma14:wrappingTextBoxFlag xmlns:ma14="http://schemas.microsoft.com/office/mac/drawingml/2011/main" xmlns:a14="http://schemas.microsoft.com/office/drawing/2010/main" xmlns:m="http://schemas.openxmlformats.org/officeDocument/2006/math" xmlns="" val="1"/>
             </a:ext>
           </a:extLst>
         </p:spPr>
@@ -36450,7 +36434,7 @@
           </a:ln>
           <a:extLst>
             <a:ext uri="{C572A759-6A51-4108-AA02-DFA0A04FC94B}">
-              <ma14:wrappingTextBoxFlag xmlns="" xmlns:m="http://schemas.openxmlformats.org/officeDocument/2006/math" xmlns:a14="http://schemas.microsoft.com/office/drawing/2010/main" xmlns:ma14="http://schemas.microsoft.com/office/mac/drawingml/2011/main" val="1"/>
+              <ma14:wrappingTextBoxFlag xmlns:ma14="http://schemas.microsoft.com/office/mac/drawingml/2011/main" xmlns:a14="http://schemas.microsoft.com/office/drawing/2010/main" xmlns:m="http://schemas.openxmlformats.org/officeDocument/2006/math" xmlns="" val="1"/>
             </a:ext>
           </a:extLst>
         </p:spPr>
@@ -36500,7 +36484,7 @@
           </a:ln>
           <a:extLst>
             <a:ext uri="{C572A759-6A51-4108-AA02-DFA0A04FC94B}">
-              <ma14:wrappingTextBoxFlag xmlns="" xmlns:m="http://schemas.openxmlformats.org/officeDocument/2006/math" xmlns:a14="http://schemas.microsoft.com/office/drawing/2010/main" xmlns:ma14="http://schemas.microsoft.com/office/mac/drawingml/2011/main" val="1"/>
+              <ma14:wrappingTextBoxFlag xmlns:ma14="http://schemas.microsoft.com/office/mac/drawingml/2011/main" xmlns:a14="http://schemas.microsoft.com/office/drawing/2010/main" xmlns:m="http://schemas.openxmlformats.org/officeDocument/2006/math" xmlns="" val="1"/>
             </a:ext>
           </a:extLst>
         </p:spPr>
@@ -36686,7 +36670,7 @@
           </a:ln>
           <a:extLst>
             <a:ext uri="{C572A759-6A51-4108-AA02-DFA0A04FC94B}">
-              <ma14:wrappingTextBoxFlag xmlns="" xmlns:m="http://schemas.openxmlformats.org/officeDocument/2006/math" xmlns:a14="http://schemas.microsoft.com/office/drawing/2010/main" xmlns:ma14="http://schemas.microsoft.com/office/mac/drawingml/2011/main" val="1"/>
+              <ma14:wrappingTextBoxFlag xmlns:ma14="http://schemas.microsoft.com/office/mac/drawingml/2011/main" xmlns:a14="http://schemas.microsoft.com/office/drawing/2010/main" xmlns:m="http://schemas.openxmlformats.org/officeDocument/2006/math" xmlns="" val="1"/>
             </a:ext>
           </a:extLst>
         </p:spPr>
@@ -37006,7 +36990,7 @@
             <p:ph idx="1"/>
             <p:extLst>
               <p:ext uri="{D42A27DB-BD31-4B8C-83A1-F6EECF244321}">
-                <p14:modId xmlns:p14="http://schemas.microsoft.com/office/powerpoint/2010/main" val="4259752455"/>
+                <p14:modId xmlns:p14="http://schemas.microsoft.com/office/powerpoint/2010/main" val="2830509254"/>
               </p:ext>
             </p:extLst>
           </p:nvPr>
@@ -37389,7 +37373,7 @@
           </a:ln>
           <a:extLst>
             <a:ext uri="{C572A759-6A51-4108-AA02-DFA0A04FC94B}">
-              <ma14:wrappingTextBoxFlag xmlns="" xmlns:m="http://schemas.openxmlformats.org/officeDocument/2006/math" xmlns:a14="http://schemas.microsoft.com/office/drawing/2010/main" xmlns:ma14="http://schemas.microsoft.com/office/mac/drawingml/2011/main" val="1"/>
+              <ma14:wrappingTextBoxFlag xmlns:ma14="http://schemas.microsoft.com/office/mac/drawingml/2011/main" xmlns:a14="http://schemas.microsoft.com/office/drawing/2010/main" xmlns:m="http://schemas.openxmlformats.org/officeDocument/2006/math" xmlns="" val="1"/>
             </a:ext>
           </a:extLst>
         </p:spPr>
@@ -37451,7 +37435,7 @@
           </a:ln>
           <a:extLst>
             <a:ext uri="{C572A759-6A51-4108-AA02-DFA0A04FC94B}">
-              <ma14:wrappingTextBoxFlag xmlns="" xmlns:m="http://schemas.openxmlformats.org/officeDocument/2006/math" xmlns:a14="http://schemas.microsoft.com/office/drawing/2010/main" xmlns:ma14="http://schemas.microsoft.com/office/mac/drawingml/2011/main" val="1"/>
+              <ma14:wrappingTextBoxFlag xmlns:ma14="http://schemas.microsoft.com/office/mac/drawingml/2011/main" xmlns:a14="http://schemas.microsoft.com/office/drawing/2010/main" xmlns:m="http://schemas.openxmlformats.org/officeDocument/2006/math" xmlns="" val="1"/>
             </a:ext>
           </a:extLst>
         </p:spPr>
@@ -37625,7 +37609,7 @@
           </a:ln>
           <a:extLst>
             <a:ext uri="{C572A759-6A51-4108-AA02-DFA0A04FC94B}">
-              <ma14:wrappingTextBoxFlag xmlns="" xmlns:m="http://schemas.openxmlformats.org/officeDocument/2006/math" xmlns:a14="http://schemas.microsoft.com/office/drawing/2010/main" xmlns:ma14="http://schemas.microsoft.com/office/mac/drawingml/2011/main" val="1"/>
+              <ma14:wrappingTextBoxFlag xmlns:ma14="http://schemas.microsoft.com/office/mac/drawingml/2011/main" xmlns:a14="http://schemas.microsoft.com/office/drawing/2010/main" xmlns:m="http://schemas.openxmlformats.org/officeDocument/2006/math" xmlns="" val="1"/>
             </a:ext>
           </a:extLst>
         </p:spPr>
@@ -37675,7 +37659,7 @@
           </a:ln>
           <a:extLst>
             <a:ext uri="{C572A759-6A51-4108-AA02-DFA0A04FC94B}">
-              <ma14:wrappingTextBoxFlag xmlns="" xmlns:m="http://schemas.openxmlformats.org/officeDocument/2006/math" xmlns:a14="http://schemas.microsoft.com/office/drawing/2010/main" xmlns:ma14="http://schemas.microsoft.com/office/mac/drawingml/2011/main" val="1"/>
+              <ma14:wrappingTextBoxFlag xmlns:ma14="http://schemas.microsoft.com/office/mac/drawingml/2011/main" xmlns:a14="http://schemas.microsoft.com/office/drawing/2010/main" xmlns:m="http://schemas.openxmlformats.org/officeDocument/2006/math" xmlns="" val="1"/>
             </a:ext>
           </a:extLst>
         </p:spPr>
@@ -37725,7 +37709,7 @@
           </a:ln>
           <a:extLst>
             <a:ext uri="{C572A759-6A51-4108-AA02-DFA0A04FC94B}">
-              <ma14:wrappingTextBoxFlag xmlns="" xmlns:m="http://schemas.openxmlformats.org/officeDocument/2006/math" xmlns:a14="http://schemas.microsoft.com/office/drawing/2010/main" xmlns:ma14="http://schemas.microsoft.com/office/mac/drawingml/2011/main" val="1"/>
+              <ma14:wrappingTextBoxFlag xmlns:ma14="http://schemas.microsoft.com/office/mac/drawingml/2011/main" xmlns:a14="http://schemas.microsoft.com/office/drawing/2010/main" xmlns:m="http://schemas.openxmlformats.org/officeDocument/2006/math" xmlns="" val="1"/>
             </a:ext>
           </a:extLst>
         </p:spPr>
@@ -37775,7 +37759,7 @@
           </a:ln>
           <a:extLst>
             <a:ext uri="{C572A759-6A51-4108-AA02-DFA0A04FC94B}">
-              <ma14:wrappingTextBoxFlag xmlns="" xmlns:m="http://schemas.openxmlformats.org/officeDocument/2006/math" xmlns:a14="http://schemas.microsoft.com/office/drawing/2010/main" xmlns:ma14="http://schemas.microsoft.com/office/mac/drawingml/2011/main" val="1"/>
+              <ma14:wrappingTextBoxFlag xmlns:ma14="http://schemas.microsoft.com/office/mac/drawingml/2011/main" xmlns:a14="http://schemas.microsoft.com/office/drawing/2010/main" xmlns:m="http://schemas.openxmlformats.org/officeDocument/2006/math" xmlns="" val="1"/>
             </a:ext>
           </a:extLst>
         </p:spPr>
@@ -37825,7 +37809,7 @@
           </a:ln>
           <a:extLst>
             <a:ext uri="{C572A759-6A51-4108-AA02-DFA0A04FC94B}">
-              <ma14:wrappingTextBoxFlag xmlns="" xmlns:m="http://schemas.openxmlformats.org/officeDocument/2006/math" xmlns:a14="http://schemas.microsoft.com/office/drawing/2010/main" xmlns:ma14="http://schemas.microsoft.com/office/mac/drawingml/2011/main" val="1"/>
+              <ma14:wrappingTextBoxFlag xmlns:ma14="http://schemas.microsoft.com/office/mac/drawingml/2011/main" xmlns:a14="http://schemas.microsoft.com/office/drawing/2010/main" xmlns:m="http://schemas.openxmlformats.org/officeDocument/2006/math" xmlns="" val="1"/>
             </a:ext>
           </a:extLst>
         </p:spPr>
@@ -38231,7 +38215,7 @@
           </a:ln>
           <a:extLst>
             <a:ext uri="{C572A759-6A51-4108-AA02-DFA0A04FC94B}">
-              <ma14:wrappingTextBoxFlag xmlns="" xmlns:m="http://schemas.openxmlformats.org/officeDocument/2006/math" xmlns:a14="http://schemas.microsoft.com/office/drawing/2010/main" xmlns:ma14="http://schemas.microsoft.com/office/mac/drawingml/2011/main" val="1"/>
+              <ma14:wrappingTextBoxFlag xmlns:ma14="http://schemas.microsoft.com/office/mac/drawingml/2011/main" xmlns:a14="http://schemas.microsoft.com/office/drawing/2010/main" xmlns:m="http://schemas.openxmlformats.org/officeDocument/2006/math" xmlns="" val="1"/>
             </a:ext>
           </a:extLst>
         </p:spPr>
@@ -38293,7 +38277,7 @@
           </a:ln>
           <a:extLst>
             <a:ext uri="{C572A759-6A51-4108-AA02-DFA0A04FC94B}">
-              <ma14:wrappingTextBoxFlag xmlns="" xmlns:m="http://schemas.openxmlformats.org/officeDocument/2006/math" xmlns:a14="http://schemas.microsoft.com/office/drawing/2010/main" xmlns:ma14="http://schemas.microsoft.com/office/mac/drawingml/2011/main" val="1"/>
+              <ma14:wrappingTextBoxFlag xmlns:ma14="http://schemas.microsoft.com/office/mac/drawingml/2011/main" xmlns:a14="http://schemas.microsoft.com/office/drawing/2010/main" xmlns:m="http://schemas.openxmlformats.org/officeDocument/2006/math" xmlns="" val="1"/>
             </a:ext>
           </a:extLst>
         </p:spPr>
@@ -38467,7 +38451,7 @@
           </a:ln>
           <a:extLst>
             <a:ext uri="{C572A759-6A51-4108-AA02-DFA0A04FC94B}">
-              <ma14:wrappingTextBoxFlag xmlns="" xmlns:m="http://schemas.openxmlformats.org/officeDocument/2006/math" xmlns:a14="http://schemas.microsoft.com/office/drawing/2010/main" xmlns:ma14="http://schemas.microsoft.com/office/mac/drawingml/2011/main" val="1"/>
+              <ma14:wrappingTextBoxFlag xmlns:ma14="http://schemas.microsoft.com/office/mac/drawingml/2011/main" xmlns:a14="http://schemas.microsoft.com/office/drawing/2010/main" xmlns:m="http://schemas.openxmlformats.org/officeDocument/2006/math" xmlns="" val="1"/>
             </a:ext>
           </a:extLst>
         </p:spPr>
@@ -38517,7 +38501,7 @@
           </a:ln>
           <a:extLst>
             <a:ext uri="{C572A759-6A51-4108-AA02-DFA0A04FC94B}">
-              <ma14:wrappingTextBoxFlag xmlns="" xmlns:m="http://schemas.openxmlformats.org/officeDocument/2006/math" xmlns:a14="http://schemas.microsoft.com/office/drawing/2010/main" xmlns:ma14="http://schemas.microsoft.com/office/mac/drawingml/2011/main" val="1"/>
+              <ma14:wrappingTextBoxFlag xmlns:ma14="http://schemas.microsoft.com/office/mac/drawingml/2011/main" xmlns:a14="http://schemas.microsoft.com/office/drawing/2010/main" xmlns:m="http://schemas.openxmlformats.org/officeDocument/2006/math" xmlns="" val="1"/>
             </a:ext>
           </a:extLst>
         </p:spPr>
@@ -38567,7 +38551,7 @@
           </a:ln>
           <a:extLst>
             <a:ext uri="{C572A759-6A51-4108-AA02-DFA0A04FC94B}">
-              <ma14:wrappingTextBoxFlag xmlns="" xmlns:m="http://schemas.openxmlformats.org/officeDocument/2006/math" xmlns:a14="http://schemas.microsoft.com/office/drawing/2010/main" xmlns:ma14="http://schemas.microsoft.com/office/mac/drawingml/2011/main" val="1"/>
+              <ma14:wrappingTextBoxFlag xmlns:ma14="http://schemas.microsoft.com/office/mac/drawingml/2011/main" xmlns:a14="http://schemas.microsoft.com/office/drawing/2010/main" xmlns:m="http://schemas.openxmlformats.org/officeDocument/2006/math" xmlns="" val="1"/>
             </a:ext>
           </a:extLst>
         </p:spPr>
@@ -38617,7 +38601,7 @@
           </a:ln>
           <a:extLst>
             <a:ext uri="{C572A759-6A51-4108-AA02-DFA0A04FC94B}">
-              <ma14:wrappingTextBoxFlag xmlns="" xmlns:m="http://schemas.openxmlformats.org/officeDocument/2006/math" xmlns:a14="http://schemas.microsoft.com/office/drawing/2010/main" xmlns:ma14="http://schemas.microsoft.com/office/mac/drawingml/2011/main" val="1"/>
+              <ma14:wrappingTextBoxFlag xmlns:ma14="http://schemas.microsoft.com/office/mac/drawingml/2011/main" xmlns:a14="http://schemas.microsoft.com/office/drawing/2010/main" xmlns:m="http://schemas.openxmlformats.org/officeDocument/2006/math" xmlns="" val="1"/>
             </a:ext>
           </a:extLst>
         </p:spPr>
@@ -38667,7 +38651,7 @@
           </a:ln>
           <a:extLst>
             <a:ext uri="{C572A759-6A51-4108-AA02-DFA0A04FC94B}">
-              <ma14:wrappingTextBoxFlag xmlns="" xmlns:m="http://schemas.openxmlformats.org/officeDocument/2006/math" xmlns:a14="http://schemas.microsoft.com/office/drawing/2010/main" xmlns:ma14="http://schemas.microsoft.com/office/mac/drawingml/2011/main" val="1"/>
+              <ma14:wrappingTextBoxFlag xmlns:ma14="http://schemas.microsoft.com/office/mac/drawingml/2011/main" xmlns:a14="http://schemas.microsoft.com/office/drawing/2010/main" xmlns:m="http://schemas.openxmlformats.org/officeDocument/2006/math" xmlns="" val="1"/>
             </a:ext>
           </a:extLst>
         </p:spPr>
@@ -38709,7 +38693,7 @@
         <p:fade/>
       </p:transition>
     </mc:Choice>
-    <mc:Fallback xmlns="" xmlns:m="http://schemas.openxmlformats.org/officeDocument/2006/math" xmlns:a14="http://schemas.microsoft.com/office/drawing/2010/main">
+    <mc:Fallback xmlns:a14="http://schemas.microsoft.com/office/drawing/2010/main" xmlns:m="http://schemas.openxmlformats.org/officeDocument/2006/math" xmlns="">
       <p:transition spd="slow">
         <p:fade/>
       </p:transition>
@@ -38943,7 +38927,7 @@
           </a:ln>
           <a:extLst>
             <a:ext uri="{C572A759-6A51-4108-AA02-DFA0A04FC94B}">
-              <ma14:wrappingTextBoxFlag xmlns="" xmlns:m="http://schemas.openxmlformats.org/officeDocument/2006/math" xmlns:a14="http://schemas.microsoft.com/office/drawing/2010/main" xmlns:ma14="http://schemas.microsoft.com/office/mac/drawingml/2011/main" val="1"/>
+              <ma14:wrappingTextBoxFlag xmlns:ma14="http://schemas.microsoft.com/office/mac/drawingml/2011/main" xmlns:a14="http://schemas.microsoft.com/office/drawing/2010/main" xmlns:m="http://schemas.openxmlformats.org/officeDocument/2006/math" xmlns="" val="1"/>
             </a:ext>
           </a:extLst>
         </p:spPr>
@@ -39005,7 +38989,7 @@
           </a:ln>
           <a:extLst>
             <a:ext uri="{C572A759-6A51-4108-AA02-DFA0A04FC94B}">
-              <ma14:wrappingTextBoxFlag xmlns="" xmlns:m="http://schemas.openxmlformats.org/officeDocument/2006/math" xmlns:a14="http://schemas.microsoft.com/office/drawing/2010/main" xmlns:ma14="http://schemas.microsoft.com/office/mac/drawingml/2011/main" val="1"/>
+              <ma14:wrappingTextBoxFlag xmlns:ma14="http://schemas.microsoft.com/office/mac/drawingml/2011/main" xmlns:a14="http://schemas.microsoft.com/office/drawing/2010/main" xmlns:m="http://schemas.openxmlformats.org/officeDocument/2006/math" xmlns="" val="1"/>
             </a:ext>
           </a:extLst>
         </p:spPr>
@@ -39179,7 +39163,7 @@
           </a:ln>
           <a:extLst>
             <a:ext uri="{C572A759-6A51-4108-AA02-DFA0A04FC94B}">
-              <ma14:wrappingTextBoxFlag xmlns="" xmlns:m="http://schemas.openxmlformats.org/officeDocument/2006/math" xmlns:a14="http://schemas.microsoft.com/office/drawing/2010/main" xmlns:ma14="http://schemas.microsoft.com/office/mac/drawingml/2011/main" val="1"/>
+              <ma14:wrappingTextBoxFlag xmlns:ma14="http://schemas.microsoft.com/office/mac/drawingml/2011/main" xmlns:a14="http://schemas.microsoft.com/office/drawing/2010/main" xmlns:m="http://schemas.openxmlformats.org/officeDocument/2006/math" xmlns="" val="1"/>
             </a:ext>
           </a:extLst>
         </p:spPr>
@@ -39229,7 +39213,7 @@
           </a:ln>
           <a:extLst>
             <a:ext uri="{C572A759-6A51-4108-AA02-DFA0A04FC94B}">
-              <ma14:wrappingTextBoxFlag xmlns="" xmlns:m="http://schemas.openxmlformats.org/officeDocument/2006/math" xmlns:a14="http://schemas.microsoft.com/office/drawing/2010/main" xmlns:ma14="http://schemas.microsoft.com/office/mac/drawingml/2011/main" val="1"/>
+              <ma14:wrappingTextBoxFlag xmlns:ma14="http://schemas.microsoft.com/office/mac/drawingml/2011/main" xmlns:a14="http://schemas.microsoft.com/office/drawing/2010/main" xmlns:m="http://schemas.openxmlformats.org/officeDocument/2006/math" xmlns="" val="1"/>
             </a:ext>
           </a:extLst>
         </p:spPr>
@@ -39279,7 +39263,7 @@
           </a:ln>
           <a:extLst>
             <a:ext uri="{C572A759-6A51-4108-AA02-DFA0A04FC94B}">
-              <ma14:wrappingTextBoxFlag xmlns="" xmlns:m="http://schemas.openxmlformats.org/officeDocument/2006/math" xmlns:a14="http://schemas.microsoft.com/office/drawing/2010/main" xmlns:ma14="http://schemas.microsoft.com/office/mac/drawingml/2011/main" val="1"/>
+              <ma14:wrappingTextBoxFlag xmlns:ma14="http://schemas.microsoft.com/office/mac/drawingml/2011/main" xmlns:a14="http://schemas.microsoft.com/office/drawing/2010/main" xmlns:m="http://schemas.openxmlformats.org/officeDocument/2006/math" xmlns="" val="1"/>
             </a:ext>
           </a:extLst>
         </p:spPr>
@@ -39329,7 +39313,7 @@
           </a:ln>
           <a:extLst>
             <a:ext uri="{C572A759-6A51-4108-AA02-DFA0A04FC94B}">
-              <ma14:wrappingTextBoxFlag xmlns="" xmlns:m="http://schemas.openxmlformats.org/officeDocument/2006/math" xmlns:a14="http://schemas.microsoft.com/office/drawing/2010/main" xmlns:ma14="http://schemas.microsoft.com/office/mac/drawingml/2011/main" val="1"/>
+              <ma14:wrappingTextBoxFlag xmlns:ma14="http://schemas.microsoft.com/office/mac/drawingml/2011/main" xmlns:a14="http://schemas.microsoft.com/office/drawing/2010/main" xmlns:m="http://schemas.openxmlformats.org/officeDocument/2006/math" xmlns="" val="1"/>
             </a:ext>
           </a:extLst>
         </p:spPr>
@@ -39379,7 +39363,7 @@
           </a:ln>
           <a:extLst>
             <a:ext uri="{C572A759-6A51-4108-AA02-DFA0A04FC94B}">
-              <ma14:wrappingTextBoxFlag xmlns="" xmlns:m="http://schemas.openxmlformats.org/officeDocument/2006/math" xmlns:a14="http://schemas.microsoft.com/office/drawing/2010/main" xmlns:ma14="http://schemas.microsoft.com/office/mac/drawingml/2011/main" val="1"/>
+              <ma14:wrappingTextBoxFlag xmlns:ma14="http://schemas.microsoft.com/office/mac/drawingml/2011/main" xmlns:a14="http://schemas.microsoft.com/office/drawing/2010/main" xmlns:m="http://schemas.openxmlformats.org/officeDocument/2006/math" xmlns="" val="1"/>
             </a:ext>
           </a:extLst>
         </p:spPr>
@@ -39421,7 +39405,7 @@
         <p:fade/>
       </p:transition>
     </mc:Choice>
-    <mc:Fallback xmlns="" xmlns:m="http://schemas.openxmlformats.org/officeDocument/2006/math" xmlns:a14="http://schemas.microsoft.com/office/drawing/2010/main">
+    <mc:Fallback xmlns:a14="http://schemas.microsoft.com/office/drawing/2010/main" xmlns:m="http://schemas.openxmlformats.org/officeDocument/2006/math" xmlns="">
       <p:transition spd="slow">
         <p:fade/>
       </p:transition>
@@ -39655,7 +39639,7 @@
           </a:ln>
           <a:extLst>
             <a:ext uri="{C572A759-6A51-4108-AA02-DFA0A04FC94B}">
-              <ma14:wrappingTextBoxFlag xmlns="" xmlns:m="http://schemas.openxmlformats.org/officeDocument/2006/math" xmlns:a14="http://schemas.microsoft.com/office/drawing/2010/main" xmlns:ma14="http://schemas.microsoft.com/office/mac/drawingml/2011/main" val="1"/>
+              <ma14:wrappingTextBoxFlag xmlns:ma14="http://schemas.microsoft.com/office/mac/drawingml/2011/main" xmlns:a14="http://schemas.microsoft.com/office/drawing/2010/main" xmlns:m="http://schemas.openxmlformats.org/officeDocument/2006/math" xmlns="" val="1"/>
             </a:ext>
           </a:extLst>
         </p:spPr>
@@ -39717,7 +39701,7 @@
           </a:ln>
           <a:extLst>
             <a:ext uri="{C572A759-6A51-4108-AA02-DFA0A04FC94B}">
-              <ma14:wrappingTextBoxFlag xmlns="" xmlns:m="http://schemas.openxmlformats.org/officeDocument/2006/math" xmlns:a14="http://schemas.microsoft.com/office/drawing/2010/main" xmlns:ma14="http://schemas.microsoft.com/office/mac/drawingml/2011/main" val="1"/>
+              <ma14:wrappingTextBoxFlag xmlns:ma14="http://schemas.microsoft.com/office/mac/drawingml/2011/main" xmlns:a14="http://schemas.microsoft.com/office/drawing/2010/main" xmlns:m="http://schemas.openxmlformats.org/officeDocument/2006/math" xmlns="" val="1"/>
             </a:ext>
           </a:extLst>
         </p:spPr>
@@ -39891,7 +39875,7 @@
           </a:ln>
           <a:extLst>
             <a:ext uri="{C572A759-6A51-4108-AA02-DFA0A04FC94B}">
-              <ma14:wrappingTextBoxFlag xmlns="" xmlns:m="http://schemas.openxmlformats.org/officeDocument/2006/math" xmlns:a14="http://schemas.microsoft.com/office/drawing/2010/main" xmlns:ma14="http://schemas.microsoft.com/office/mac/drawingml/2011/main" val="1"/>
+              <ma14:wrappingTextBoxFlag xmlns:ma14="http://schemas.microsoft.com/office/mac/drawingml/2011/main" xmlns:a14="http://schemas.microsoft.com/office/drawing/2010/main" xmlns:m="http://schemas.openxmlformats.org/officeDocument/2006/math" xmlns="" val="1"/>
             </a:ext>
           </a:extLst>
         </p:spPr>
@@ -39941,7 +39925,7 @@
           </a:ln>
           <a:extLst>
             <a:ext uri="{C572A759-6A51-4108-AA02-DFA0A04FC94B}">
-              <ma14:wrappingTextBoxFlag xmlns="" xmlns:m="http://schemas.openxmlformats.org/officeDocument/2006/math" xmlns:a14="http://schemas.microsoft.com/office/drawing/2010/main" xmlns:ma14="http://schemas.microsoft.com/office/mac/drawingml/2011/main" val="1"/>
+              <ma14:wrappingTextBoxFlag xmlns:ma14="http://schemas.microsoft.com/office/mac/drawingml/2011/main" xmlns:a14="http://schemas.microsoft.com/office/drawing/2010/main" xmlns:m="http://schemas.openxmlformats.org/officeDocument/2006/math" xmlns="" val="1"/>
             </a:ext>
           </a:extLst>
         </p:spPr>
@@ -39991,7 +39975,7 @@
           </a:ln>
           <a:extLst>
             <a:ext uri="{C572A759-6A51-4108-AA02-DFA0A04FC94B}">
-              <ma14:wrappingTextBoxFlag xmlns="" xmlns:m="http://schemas.openxmlformats.org/officeDocument/2006/math" xmlns:a14="http://schemas.microsoft.com/office/drawing/2010/main" xmlns:ma14="http://schemas.microsoft.com/office/mac/drawingml/2011/main" val="1"/>
+              <ma14:wrappingTextBoxFlag xmlns:ma14="http://schemas.microsoft.com/office/mac/drawingml/2011/main" xmlns:a14="http://schemas.microsoft.com/office/drawing/2010/main" xmlns:m="http://schemas.openxmlformats.org/officeDocument/2006/math" xmlns="" val="1"/>
             </a:ext>
           </a:extLst>
         </p:spPr>
@@ -40041,7 +40025,7 @@
           </a:ln>
           <a:extLst>
             <a:ext uri="{C572A759-6A51-4108-AA02-DFA0A04FC94B}">
-              <ma14:wrappingTextBoxFlag xmlns="" xmlns:m="http://schemas.openxmlformats.org/officeDocument/2006/math" xmlns:a14="http://schemas.microsoft.com/office/drawing/2010/main" xmlns:ma14="http://schemas.microsoft.com/office/mac/drawingml/2011/main" val="1"/>
+              <ma14:wrappingTextBoxFlag xmlns:ma14="http://schemas.microsoft.com/office/mac/drawingml/2011/main" xmlns:a14="http://schemas.microsoft.com/office/drawing/2010/main" xmlns:m="http://schemas.openxmlformats.org/officeDocument/2006/math" xmlns="" val="1"/>
             </a:ext>
           </a:extLst>
         </p:spPr>
@@ -40091,7 +40075,7 @@
           </a:ln>
           <a:extLst>
             <a:ext uri="{C572A759-6A51-4108-AA02-DFA0A04FC94B}">
-              <ma14:wrappingTextBoxFlag xmlns="" xmlns:m="http://schemas.openxmlformats.org/officeDocument/2006/math" xmlns:a14="http://schemas.microsoft.com/office/drawing/2010/main" xmlns:ma14="http://schemas.microsoft.com/office/mac/drawingml/2011/main" val="1"/>
+              <ma14:wrappingTextBoxFlag xmlns:ma14="http://schemas.microsoft.com/office/mac/drawingml/2011/main" xmlns:a14="http://schemas.microsoft.com/office/drawing/2010/main" xmlns:m="http://schemas.openxmlformats.org/officeDocument/2006/math" xmlns="" val="1"/>
             </a:ext>
           </a:extLst>
         </p:spPr>
@@ -40133,7 +40117,7 @@
         <p:fade/>
       </p:transition>
     </mc:Choice>
-    <mc:Fallback xmlns="" xmlns:m="http://schemas.openxmlformats.org/officeDocument/2006/math" xmlns:a14="http://schemas.microsoft.com/office/drawing/2010/main">
+    <mc:Fallback xmlns:a14="http://schemas.microsoft.com/office/drawing/2010/main" xmlns:m="http://schemas.openxmlformats.org/officeDocument/2006/math" xmlns="">
       <p:transition spd="slow">
         <p:fade/>
       </p:transition>
